--- a/files/PPtest.pptx
+++ b/files/PPtest.pptx
@@ -1,19 +1,21 @@
 
 <file path=ppt/presentation.xml><?xml version="1.0" encoding="utf-8"?>
-<p:presentation xmlns:a="http://schemas.openxmlformats.org/drawingml/2006/main" xmlns:r="http://schemas.openxmlformats.org/officeDocument/2006/relationships" xmlns:mc="http://schemas.openxmlformats.org/markup-compatibility/2006" xmlns:mv="urn:schemas-microsoft-com:mac:vml" xmlns:p="http://schemas.openxmlformats.org/presentationml/2006/main" xmlns:c="http://schemas.openxmlformats.org/drawingml/2006/chart" xmlns:dgm="http://schemas.openxmlformats.org/drawingml/2006/diagram" xmlns:o="urn:schemas-microsoft-com:office:office" xmlns:v="urn:schemas-microsoft-com:vml" xmlns:pvml="urn:schemas-microsoft-com:office:powerpoint" xmlns:com="http://schemas.openxmlformats.org/drawingml/2006/compatibility" xmlns:p14="http://schemas.microsoft.com/office/powerpoint/2010/main" autoCompressPictures="0" strictFirstAndLastChars="0" saveSubsetFonts="1">
+<p:presentation xmlns:a="http://schemas.openxmlformats.org/drawingml/2006/main" xmlns:r="http://schemas.openxmlformats.org/officeDocument/2006/relationships" xmlns:p="http://schemas.openxmlformats.org/presentationml/2006/main" strictFirstAndLastChars="0" saveSubsetFonts="1" autoCompressPictures="0">
   <p:sldMasterIdLst>
-    <p:sldMasterId id="2147483659" r:id="rId3"/>
+    <p:sldMasterId id="2147483659" r:id="rId1"/>
   </p:sldMasterIdLst>
   <p:notesMasterIdLst>
-    <p:notesMasterId r:id="rId4"/>
+    <p:notesMasterId r:id="rId5"/>
   </p:notesMasterIdLst>
   <p:sldIdLst>
-    <p:sldId id="256" r:id="rId5"/>
+    <p:sldId id="256" r:id="rId2"/>
+    <p:sldId id="257" r:id="rId3"/>
+    <p:sldId id="258" r:id="rId4"/>
   </p:sldIdLst>
-  <p:sldSz cy="5143500" cx="9144000"/>
+  <p:sldSz cx="9144000" cy="5143500" type="screen16x9"/>
   <p:notesSz cx="6858000" cy="9144000"/>
   <p:defaultTextStyle>
-    <a:defPPr lvl="0" marR="0" rtl="0" algn="l">
+    <a:defPPr marR="0" lvl="0" algn="l" rtl="0">
       <a:lnSpc>
         <a:spcPct val="100000"/>
       </a:lnSpc>
@@ -24,7 +26,7 @@
         <a:spcPts val="0"/>
       </a:spcAft>
     </a:defPPr>
-    <a:lvl1pPr lvl="0" marR="0" rtl="0" algn="l">
+    <a:lvl1pPr marR="0" lvl="0" algn="l" rtl="0">
       <a:lnSpc>
         <a:spcPct val="100000"/>
       </a:lnSpc>
@@ -35,7 +37,7 @@
         <a:spcPts val="0"/>
       </a:spcAft>
       <a:buNone/>
-      <a:defRPr b="0" i="0" sz="1400" u="none" cap="none" strike="noStrike">
+      <a:defRPr sz="1400" b="0" i="0" u="none" strike="noStrike" cap="none">
         <a:solidFill>
           <a:srgbClr val="000000"/>
         </a:solidFill>
@@ -45,7 +47,7 @@
         <a:sym typeface="Arial"/>
       </a:defRPr>
     </a:lvl1pPr>
-    <a:lvl2pPr lvl="1" marR="0" rtl="0" algn="l">
+    <a:lvl2pPr marR="0" lvl="1" algn="l" rtl="0">
       <a:lnSpc>
         <a:spcPct val="100000"/>
       </a:lnSpc>
@@ -56,7 +58,7 @@
         <a:spcPts val="0"/>
       </a:spcAft>
       <a:buNone/>
-      <a:defRPr b="0" i="0" sz="1400" u="none" cap="none" strike="noStrike">
+      <a:defRPr sz="1400" b="0" i="0" u="none" strike="noStrike" cap="none">
         <a:solidFill>
           <a:srgbClr val="000000"/>
         </a:solidFill>
@@ -66,7 +68,7 @@
         <a:sym typeface="Arial"/>
       </a:defRPr>
     </a:lvl2pPr>
-    <a:lvl3pPr lvl="2" marR="0" rtl="0" algn="l">
+    <a:lvl3pPr marR="0" lvl="2" algn="l" rtl="0">
       <a:lnSpc>
         <a:spcPct val="100000"/>
       </a:lnSpc>
@@ -77,7 +79,7 @@
         <a:spcPts val="0"/>
       </a:spcAft>
       <a:buNone/>
-      <a:defRPr b="0" i="0" sz="1400" u="none" cap="none" strike="noStrike">
+      <a:defRPr sz="1400" b="0" i="0" u="none" strike="noStrike" cap="none">
         <a:solidFill>
           <a:srgbClr val="000000"/>
         </a:solidFill>
@@ -87,7 +89,7 @@
         <a:sym typeface="Arial"/>
       </a:defRPr>
     </a:lvl3pPr>
-    <a:lvl4pPr lvl="3" marR="0" rtl="0" algn="l">
+    <a:lvl4pPr marR="0" lvl="3" algn="l" rtl="0">
       <a:lnSpc>
         <a:spcPct val="100000"/>
       </a:lnSpc>
@@ -98,7 +100,7 @@
         <a:spcPts val="0"/>
       </a:spcAft>
       <a:buNone/>
-      <a:defRPr b="0" i="0" sz="1400" u="none" cap="none" strike="noStrike">
+      <a:defRPr sz="1400" b="0" i="0" u="none" strike="noStrike" cap="none">
         <a:solidFill>
           <a:srgbClr val="000000"/>
         </a:solidFill>
@@ -108,7 +110,7 @@
         <a:sym typeface="Arial"/>
       </a:defRPr>
     </a:lvl4pPr>
-    <a:lvl5pPr lvl="4" marR="0" rtl="0" algn="l">
+    <a:lvl5pPr marR="0" lvl="4" algn="l" rtl="0">
       <a:lnSpc>
         <a:spcPct val="100000"/>
       </a:lnSpc>
@@ -119,7 +121,7 @@
         <a:spcPts val="0"/>
       </a:spcAft>
       <a:buNone/>
-      <a:defRPr b="0" i="0" sz="1400" u="none" cap="none" strike="noStrike">
+      <a:defRPr sz="1400" b="0" i="0" u="none" strike="noStrike" cap="none">
         <a:solidFill>
           <a:srgbClr val="000000"/>
         </a:solidFill>
@@ -129,7 +131,7 @@
         <a:sym typeface="Arial"/>
       </a:defRPr>
     </a:lvl5pPr>
-    <a:lvl6pPr lvl="5" marR="0" rtl="0" algn="l">
+    <a:lvl6pPr marR="0" lvl="5" algn="l" rtl="0">
       <a:lnSpc>
         <a:spcPct val="100000"/>
       </a:lnSpc>
@@ -140,7 +142,7 @@
         <a:spcPts val="0"/>
       </a:spcAft>
       <a:buNone/>
-      <a:defRPr b="0" i="0" sz="1400" u="none" cap="none" strike="noStrike">
+      <a:defRPr sz="1400" b="0" i="0" u="none" strike="noStrike" cap="none">
         <a:solidFill>
           <a:srgbClr val="000000"/>
         </a:solidFill>
@@ -150,7 +152,7 @@
         <a:sym typeface="Arial"/>
       </a:defRPr>
     </a:lvl6pPr>
-    <a:lvl7pPr lvl="6" marR="0" rtl="0" algn="l">
+    <a:lvl7pPr marR="0" lvl="6" algn="l" rtl="0">
       <a:lnSpc>
         <a:spcPct val="100000"/>
       </a:lnSpc>
@@ -161,7 +163,7 @@
         <a:spcPts val="0"/>
       </a:spcAft>
       <a:buNone/>
-      <a:defRPr b="0" i="0" sz="1400" u="none" cap="none" strike="noStrike">
+      <a:defRPr sz="1400" b="0" i="0" u="none" strike="noStrike" cap="none">
         <a:solidFill>
           <a:srgbClr val="000000"/>
         </a:solidFill>
@@ -171,7 +173,7 @@
         <a:sym typeface="Arial"/>
       </a:defRPr>
     </a:lvl7pPr>
-    <a:lvl8pPr lvl="7" marR="0" rtl="0" algn="l">
+    <a:lvl8pPr marR="0" lvl="7" algn="l" rtl="0">
       <a:lnSpc>
         <a:spcPct val="100000"/>
       </a:lnSpc>
@@ -182,7 +184,7 @@
         <a:spcPts val="0"/>
       </a:spcAft>
       <a:buNone/>
-      <a:defRPr b="0" i="0" sz="1400" u="none" cap="none" strike="noStrike">
+      <a:defRPr sz="1400" b="0" i="0" u="none" strike="noStrike" cap="none">
         <a:solidFill>
           <a:srgbClr val="000000"/>
         </a:solidFill>
@@ -192,7 +194,7 @@
         <a:sym typeface="Arial"/>
       </a:defRPr>
     </a:lvl8pPr>
-    <a:lvl9pPr lvl="8" marR="0" rtl="0" algn="l">
+    <a:lvl9pPr marR="0" lvl="8" algn="l" rtl="0">
       <a:lnSpc>
         <a:spcPct val="100000"/>
       </a:lnSpc>
@@ -203,7 +205,7 @@
         <a:spcPts val="0"/>
       </a:spcAft>
       <a:buNone/>
-      <a:defRPr b="0" i="0" sz="1400" u="none" cap="none" strike="noStrike">
+      <a:defRPr sz="1400" b="0" i="0" u="none" strike="noStrike" cap="none">
         <a:solidFill>
           <a:srgbClr val="000000"/>
         </a:solidFill>
@@ -218,11 +220,16 @@
 </file>
 
 <file path=ppt/notesMasters/notesMaster1.xml><?xml version="1.0" encoding="utf-8"?>
-<p:notesMaster xmlns:a="http://schemas.openxmlformats.org/drawingml/2006/main" xmlns:r="http://schemas.openxmlformats.org/officeDocument/2006/relationships" xmlns:mc="http://schemas.openxmlformats.org/markup-compatibility/2006" xmlns:mv="urn:schemas-microsoft-com:mac:vml" xmlns:p="http://schemas.openxmlformats.org/presentationml/2006/main" xmlns:c="http://schemas.openxmlformats.org/drawingml/2006/chart" xmlns:dgm="http://schemas.openxmlformats.org/drawingml/2006/diagram" xmlns:o="urn:schemas-microsoft-com:office:office" xmlns:v="urn:schemas-microsoft-com:vml" xmlns:pvml="urn:schemas-microsoft-com:office:powerpoint" xmlns:com="http://schemas.openxmlformats.org/drawingml/2006/compatibility" xmlns:p14="http://schemas.microsoft.com/office/powerpoint/2010/main">
+<p:notesMaster xmlns:a="http://schemas.openxmlformats.org/drawingml/2006/main" xmlns:r="http://schemas.openxmlformats.org/officeDocument/2006/relationships" xmlns:p="http://schemas.openxmlformats.org/presentationml/2006/main">
   <p:cSld>
+    <p:bg>
+      <p:bgRef idx="1001">
+        <a:schemeClr val="bg1"/>
+      </p:bgRef>
+    </p:bg>
     <p:spTree>
       <p:nvGrpSpPr>
-        <p:cNvPr id="2" name="Shape 2"/>
+        <p:cNvPr id="1" name="Shape 2"/>
         <p:cNvGrpSpPr/>
         <p:nvPr/>
       </p:nvGrpSpPr>
@@ -237,9 +244,11 @@
       <p:sp>
         <p:nvSpPr>
           <p:cNvPr id="3" name="Shape 3"/>
-          <p:cNvSpPr/>
+          <p:cNvSpPr>
+            <a:spLocks noGrp="1" noRot="1" noChangeAspect="1"/>
+          </p:cNvSpPr>
           <p:nvPr>
-            <p:ph idx="2" type="sldImg"/>
+            <p:ph type="sldImg" idx="2"/>
           </p:nvPr>
         </p:nvSpPr>
         <p:spPr>
@@ -248,8 +257,13 @@
             <a:ext cx="6096075" cy="3429000"/>
           </a:xfrm>
           <a:custGeom>
+            <a:avLst/>
+            <a:gdLst/>
+            <a:ahLst/>
+            <a:cxnLst/>
+            <a:rect l="0" t="0" r="0" b="0"/>
             <a:pathLst>
-              <a:path extrusionOk="0" h="120000" w="120000">
+              <a:path w="120000" h="120000" extrusionOk="0">
                 <a:moveTo>
                   <a:pt x="0" y="0"/>
                 </a:moveTo>
@@ -267,23 +281,25 @@
             </a:pathLst>
           </a:custGeom>
           <a:noFill/>
-          <a:ln cap="flat" cmpd="sng" w="9525">
+          <a:ln w="9525" cap="flat" cmpd="sng">
             <a:solidFill>
               <a:srgbClr val="000000"/>
             </a:solidFill>
             <a:prstDash val="solid"/>
             <a:round/>
-            <a:headEnd len="med" w="med" type="none"/>
-            <a:tailEnd len="med" w="med" type="none"/>
+            <a:headEnd type="none" w="med" len="med"/>
+            <a:tailEnd type="none" w="med" len="med"/>
           </a:ln>
         </p:spPr>
       </p:sp>
       <p:sp>
         <p:nvSpPr>
           <p:cNvPr id="4" name="Shape 4"/>
-          <p:cNvSpPr txBox="1"/>
+          <p:cNvSpPr txBox="1">
+            <a:spLocks noGrp="1"/>
+          </p:cNvSpPr>
           <p:nvPr>
-            <p:ph idx="1" type="body"/>
+            <p:ph type="body" idx="1"/>
           </p:nvPr>
         </p:nvSpPr>
         <p:spPr>
@@ -300,7 +316,7 @@
           </a:ln>
         </p:spPr>
         <p:txBody>
-          <a:bodyPr anchorCtr="0" anchor="t" bIns="91425" lIns="91425" rIns="91425" tIns="91425"/>
+          <a:bodyPr lIns="91425" tIns="91425" rIns="91425" bIns="91425" anchor="t" anchorCtr="0"/>
           <a:lstStyle>
             <a:lvl1pPr lvl="0">
               <a:spcBef>
@@ -357,21 +373,115 @@
               <a:defRPr sz="1100"/>
             </a:lvl9pPr>
           </a:lstStyle>
-          <a:p/>
+          <a:p>
+            <a:endParaRPr/>
+          </a:p>
         </p:txBody>
       </p:sp>
     </p:spTree>
   </p:cSld>
-  <p:clrMap accent1="accent1" accent2="accent2" accent3="accent3" accent4="accent4" accent5="accent5" accent6="accent6" bg1="lt1" bg2="dk2" tx1="dk1" tx2="lt2" folHlink="folHlink" hlink="hlink"/>
+  <p:clrMap bg1="lt1" tx1="dk1" bg2="dk2" tx2="lt2" accent1="accent1" accent2="accent2" accent3="accent3" accent4="accent4" accent5="accent5" accent6="accent6" hlink="hlink" folHlink="folHlink"/>
+  <p:notesStyle>
+    <a:lvl1pPr marL="0" algn="l" defTabSz="914400" rtl="0" eaLnBrk="1" latinLnBrk="0" hangingPunct="1">
+      <a:defRPr sz="1200" kern="1200">
+        <a:solidFill>
+          <a:schemeClr val="tx1"/>
+        </a:solidFill>
+        <a:latin typeface="+mn-lt"/>
+        <a:ea typeface="+mn-ea"/>
+        <a:cs typeface="+mn-cs"/>
+      </a:defRPr>
+    </a:lvl1pPr>
+    <a:lvl2pPr marL="457200" algn="l" defTabSz="914400" rtl="0" eaLnBrk="1" latinLnBrk="0" hangingPunct="1">
+      <a:defRPr sz="1200" kern="1200">
+        <a:solidFill>
+          <a:schemeClr val="tx1"/>
+        </a:solidFill>
+        <a:latin typeface="+mn-lt"/>
+        <a:ea typeface="+mn-ea"/>
+        <a:cs typeface="+mn-cs"/>
+      </a:defRPr>
+    </a:lvl2pPr>
+    <a:lvl3pPr marL="914400" algn="l" defTabSz="914400" rtl="0" eaLnBrk="1" latinLnBrk="0" hangingPunct="1">
+      <a:defRPr sz="1200" kern="1200">
+        <a:solidFill>
+          <a:schemeClr val="tx1"/>
+        </a:solidFill>
+        <a:latin typeface="+mn-lt"/>
+        <a:ea typeface="+mn-ea"/>
+        <a:cs typeface="+mn-cs"/>
+      </a:defRPr>
+    </a:lvl3pPr>
+    <a:lvl4pPr marL="1371600" algn="l" defTabSz="914400" rtl="0" eaLnBrk="1" latinLnBrk="0" hangingPunct="1">
+      <a:defRPr sz="1200" kern="1200">
+        <a:solidFill>
+          <a:schemeClr val="tx1"/>
+        </a:solidFill>
+        <a:latin typeface="+mn-lt"/>
+        <a:ea typeface="+mn-ea"/>
+        <a:cs typeface="+mn-cs"/>
+      </a:defRPr>
+    </a:lvl4pPr>
+    <a:lvl5pPr marL="1828800" algn="l" defTabSz="914400" rtl="0" eaLnBrk="1" latinLnBrk="0" hangingPunct="1">
+      <a:defRPr sz="1200" kern="1200">
+        <a:solidFill>
+          <a:schemeClr val="tx1"/>
+        </a:solidFill>
+        <a:latin typeface="+mn-lt"/>
+        <a:ea typeface="+mn-ea"/>
+        <a:cs typeface="+mn-cs"/>
+      </a:defRPr>
+    </a:lvl5pPr>
+    <a:lvl6pPr marL="2286000" algn="l" defTabSz="914400" rtl="0" eaLnBrk="1" latinLnBrk="0" hangingPunct="1">
+      <a:defRPr sz="1200" kern="1200">
+        <a:solidFill>
+          <a:schemeClr val="tx1"/>
+        </a:solidFill>
+        <a:latin typeface="+mn-lt"/>
+        <a:ea typeface="+mn-ea"/>
+        <a:cs typeface="+mn-cs"/>
+      </a:defRPr>
+    </a:lvl6pPr>
+    <a:lvl7pPr marL="2743200" algn="l" defTabSz="914400" rtl="0" eaLnBrk="1" latinLnBrk="0" hangingPunct="1">
+      <a:defRPr sz="1200" kern="1200">
+        <a:solidFill>
+          <a:schemeClr val="tx1"/>
+        </a:solidFill>
+        <a:latin typeface="+mn-lt"/>
+        <a:ea typeface="+mn-ea"/>
+        <a:cs typeface="+mn-cs"/>
+      </a:defRPr>
+    </a:lvl7pPr>
+    <a:lvl8pPr marL="3200400" algn="l" defTabSz="914400" rtl="0" eaLnBrk="1" latinLnBrk="0" hangingPunct="1">
+      <a:defRPr sz="1200" kern="1200">
+        <a:solidFill>
+          <a:schemeClr val="tx1"/>
+        </a:solidFill>
+        <a:latin typeface="+mn-lt"/>
+        <a:ea typeface="+mn-ea"/>
+        <a:cs typeface="+mn-cs"/>
+      </a:defRPr>
+    </a:lvl8pPr>
+    <a:lvl9pPr marL="3657600" algn="l" defTabSz="914400" rtl="0" eaLnBrk="1" latinLnBrk="0" hangingPunct="1">
+      <a:defRPr sz="1200" kern="1200">
+        <a:solidFill>
+          <a:schemeClr val="tx1"/>
+        </a:solidFill>
+        <a:latin typeface="+mn-lt"/>
+        <a:ea typeface="+mn-ea"/>
+        <a:cs typeface="+mn-cs"/>
+      </a:defRPr>
+    </a:lvl9pPr>
+  </p:notesStyle>
 </p:notesMaster>
 </file>
 
 <file path=ppt/notesSlides/notesSlide1.xml><?xml version="1.0" encoding="utf-8"?>
-<p:notes xmlns:a="http://schemas.openxmlformats.org/drawingml/2006/main" xmlns:r="http://schemas.openxmlformats.org/officeDocument/2006/relationships" xmlns:mc="http://schemas.openxmlformats.org/markup-compatibility/2006" xmlns:mv="urn:schemas-microsoft-com:mac:vml" xmlns:p="http://schemas.openxmlformats.org/presentationml/2006/main" xmlns:c="http://schemas.openxmlformats.org/drawingml/2006/chart" xmlns:dgm="http://schemas.openxmlformats.org/drawingml/2006/diagram" xmlns:o="urn:schemas-microsoft-com:office:office" xmlns:v="urn:schemas-microsoft-com:vml" xmlns:pvml="urn:schemas-microsoft-com:office:powerpoint" xmlns:com="http://schemas.openxmlformats.org/drawingml/2006/compatibility" xmlns:p14="http://schemas.microsoft.com/office/powerpoint/2010/main" showMasterPhAnim="0" showMasterSp="0">
+<p:notes xmlns:a="http://schemas.openxmlformats.org/drawingml/2006/main" xmlns:r="http://schemas.openxmlformats.org/officeDocument/2006/relationships" xmlns:p="http://schemas.openxmlformats.org/presentationml/2006/main" showMasterSp="0" showMasterPhAnim="0">
   <p:cSld>
     <p:spTree>
       <p:nvGrpSpPr>
-        <p:cNvPr id="50" name="Shape 50"/>
+        <p:cNvPr id="1" name="Shape 50"/>
         <p:cNvGrpSpPr/>
         <p:nvPr/>
       </p:nvGrpSpPr>
@@ -386,19 +496,26 @@
       <p:sp>
         <p:nvSpPr>
           <p:cNvPr id="51" name="Shape 51"/>
-          <p:cNvSpPr/>
+          <p:cNvSpPr>
+            <a:spLocks noGrp="1" noRot="1" noChangeAspect="1"/>
+          </p:cNvSpPr>
           <p:nvPr>
-            <p:ph idx="2" type="sldImg"/>
+            <p:ph type="sldImg" idx="2"/>
           </p:nvPr>
         </p:nvSpPr>
         <p:spPr>
           <a:xfrm>
-            <a:off x="381300" y="685800"/>
-            <a:ext cx="6096075" cy="3429000"/>
+            <a:off x="381000" y="685800"/>
+            <a:ext cx="6096000" cy="3429000"/>
           </a:xfrm>
           <a:custGeom>
+            <a:avLst/>
+            <a:gdLst/>
+            <a:ahLst/>
+            <a:cxnLst/>
+            <a:rect l="0" t="0" r="0" b="0"/>
             <a:pathLst>
-              <a:path extrusionOk="0" h="120000" w="120000">
+              <a:path w="120000" h="120000" extrusionOk="0">
                 <a:moveTo>
                   <a:pt x="0" y="0"/>
                 </a:moveTo>
@@ -420,9 +537,11 @@
       <p:sp>
         <p:nvSpPr>
           <p:cNvPr id="52" name="Shape 52"/>
-          <p:cNvSpPr txBox="1"/>
+          <p:cNvSpPr txBox="1">
+            <a:spLocks noGrp="1"/>
+          </p:cNvSpPr>
           <p:nvPr>
-            <p:ph idx="1" type="body"/>
+            <p:ph type="body" idx="1"/>
           </p:nvPr>
         </p:nvSpPr>
         <p:spPr>
@@ -435,7 +554,7 @@
           </a:prstGeom>
         </p:spPr>
         <p:txBody>
-          <a:bodyPr anchorCtr="0" anchor="t" bIns="91425" lIns="91425" rIns="91425" tIns="91425">
+          <a:bodyPr lIns="91425" tIns="91425" rIns="91425" bIns="91425" anchor="t" anchorCtr="0">
             <a:noAutofit/>
           </a:bodyPr>
           <a:lstStyle/>
@@ -446,9 +565,6 @@
               </a:spcBef>
               <a:buNone/>
             </a:pPr>
-            <a:r>
-              <a:t/>
-            </a:r>
             <a:endParaRPr/>
           </a:p>
         </p:txBody>
@@ -462,11 +578,11 @@
 </file>
 
 <file path=ppt/slideLayouts/slideLayout1.xml><?xml version="1.0" encoding="utf-8"?>
-<p:sldLayout xmlns:a="http://schemas.openxmlformats.org/drawingml/2006/main" xmlns:r="http://schemas.openxmlformats.org/officeDocument/2006/relationships" xmlns:mc="http://schemas.openxmlformats.org/markup-compatibility/2006" xmlns:mv="urn:schemas-microsoft-com:mac:vml" xmlns:p="http://schemas.openxmlformats.org/presentationml/2006/main" xmlns:c="http://schemas.openxmlformats.org/drawingml/2006/chart" xmlns:dgm="http://schemas.openxmlformats.org/drawingml/2006/diagram" xmlns:o="urn:schemas-microsoft-com:office:office" xmlns:v="urn:schemas-microsoft-com:vml" xmlns:pvml="urn:schemas-microsoft-com:office:powerpoint" xmlns:com="http://schemas.openxmlformats.org/drawingml/2006/compatibility" xmlns:p14="http://schemas.microsoft.com/office/powerpoint/2010/main" type="title">
+<p:sldLayout xmlns:a="http://schemas.openxmlformats.org/drawingml/2006/main" xmlns:r="http://schemas.openxmlformats.org/officeDocument/2006/relationships" xmlns:p="http://schemas.openxmlformats.org/presentationml/2006/main" type="title">
   <p:cSld name="Title slide">
     <p:spTree>
       <p:nvGrpSpPr>
-        <p:cNvPr id="9" name="Shape 9"/>
+        <p:cNvPr id="1" name="Shape 9"/>
         <p:cNvGrpSpPr/>
         <p:nvPr/>
       </p:nvGrpSpPr>
@@ -481,7 +597,9 @@
       <p:sp>
         <p:nvSpPr>
           <p:cNvPr id="10" name="Shape 10"/>
-          <p:cNvSpPr txBox="1"/>
+          <p:cNvSpPr txBox="1">
+            <a:spLocks noGrp="1"/>
+          </p:cNvSpPr>
           <p:nvPr>
             <p:ph type="ctrTitle"/>
           </p:nvPr>
@@ -496,7 +614,7 @@
           </a:prstGeom>
         </p:spPr>
         <p:txBody>
-          <a:bodyPr anchorCtr="0" anchor="b" bIns="91425" lIns="91425" rIns="91425" tIns="91425"/>
+          <a:bodyPr lIns="91425" tIns="91425" rIns="91425" bIns="91425" anchor="b" anchorCtr="0"/>
           <a:lstStyle>
             <a:lvl1pPr lvl="0" algn="ctr">
               <a:spcBef>
@@ -562,15 +680,19 @@
               <a:defRPr sz="5200"/>
             </a:lvl9pPr>
           </a:lstStyle>
-          <a:p/>
+          <a:p>
+            <a:endParaRPr/>
+          </a:p>
         </p:txBody>
       </p:sp>
       <p:sp>
         <p:nvSpPr>
           <p:cNvPr id="11" name="Shape 11"/>
-          <p:cNvSpPr txBox="1"/>
+          <p:cNvSpPr txBox="1">
+            <a:spLocks noGrp="1"/>
+          </p:cNvSpPr>
           <p:nvPr>
-            <p:ph idx="1" type="subTitle"/>
+            <p:ph type="subTitle" idx="1"/>
           </p:nvPr>
         </p:nvSpPr>
         <p:spPr>
@@ -583,7 +705,7 @@
           </a:prstGeom>
         </p:spPr>
         <p:txBody>
-          <a:bodyPr anchorCtr="0" anchor="t" bIns="91425" lIns="91425" rIns="91425" tIns="91425"/>
+          <a:bodyPr lIns="91425" tIns="91425" rIns="91425" bIns="91425" anchor="t" anchorCtr="0"/>
           <a:lstStyle>
             <a:lvl1pPr lvl="0" algn="ctr">
               <a:lnSpc>
@@ -712,15 +834,19 @@
               <a:defRPr sz="2800"/>
             </a:lvl9pPr>
           </a:lstStyle>
-          <a:p/>
+          <a:p>
+            <a:endParaRPr/>
+          </a:p>
         </p:txBody>
       </p:sp>
       <p:sp>
         <p:nvSpPr>
           <p:cNvPr id="12" name="Shape 12"/>
-          <p:cNvSpPr txBox="1"/>
+          <p:cNvSpPr txBox="1">
+            <a:spLocks noGrp="1"/>
+          </p:cNvSpPr>
           <p:nvPr>
-            <p:ph idx="12" type="sldNum"/>
+            <p:ph type="sldNum" idx="12"/>
           </p:nvPr>
         </p:nvSpPr>
         <p:spPr>
@@ -733,7 +859,7 @@
           </a:prstGeom>
         </p:spPr>
         <p:txBody>
-          <a:bodyPr anchorCtr="0" anchor="ctr" bIns="91425" lIns="91425" rIns="91425" tIns="91425">
+          <a:bodyPr lIns="91425" tIns="91425" rIns="91425" bIns="91425" anchor="ctr" anchorCtr="0">
             <a:noAutofit/>
           </a:bodyPr>
           <a:lstStyle/>
@@ -748,6 +874,7 @@
               <a:rPr lang="en"/>
               <a:t>‹#›</a:t>
             </a:fld>
+            <a:endParaRPr lang="en"/>
           </a:p>
         </p:txBody>
       </p:sp>
@@ -760,11 +887,11 @@
 </file>
 
 <file path=ppt/slideLayouts/slideLayout10.xml><?xml version="1.0" encoding="utf-8"?>
-<p:sldLayout xmlns:a="http://schemas.openxmlformats.org/drawingml/2006/main" xmlns:r="http://schemas.openxmlformats.org/officeDocument/2006/relationships" xmlns:mc="http://schemas.openxmlformats.org/markup-compatibility/2006" xmlns:mv="urn:schemas-microsoft-com:mac:vml" xmlns:p="http://schemas.openxmlformats.org/presentationml/2006/main" xmlns:c="http://schemas.openxmlformats.org/drawingml/2006/chart" xmlns:dgm="http://schemas.openxmlformats.org/drawingml/2006/diagram" xmlns:o="urn:schemas-microsoft-com:office:office" xmlns:v="urn:schemas-microsoft-com:vml" xmlns:pvml="urn:schemas-microsoft-com:office:powerpoint" xmlns:com="http://schemas.openxmlformats.org/drawingml/2006/compatibility" xmlns:p14="http://schemas.microsoft.com/office/powerpoint/2010/main">
+<p:sldLayout xmlns:a="http://schemas.openxmlformats.org/drawingml/2006/main" xmlns:r="http://schemas.openxmlformats.org/officeDocument/2006/relationships" xmlns:p="http://schemas.openxmlformats.org/presentationml/2006/main">
   <p:cSld name="Big number">
     <p:spTree>
       <p:nvGrpSpPr>
-        <p:cNvPr id="44" name="Shape 44"/>
+        <p:cNvPr id="1" name="Shape 44"/>
         <p:cNvGrpSpPr/>
         <p:nvPr/>
       </p:nvGrpSpPr>
@@ -779,7 +906,9 @@
       <p:sp>
         <p:nvSpPr>
           <p:cNvPr id="45" name="Shape 45"/>
-          <p:cNvSpPr txBox="1"/>
+          <p:cNvSpPr txBox="1">
+            <a:spLocks noGrp="1"/>
+          </p:cNvSpPr>
           <p:nvPr>
             <p:ph type="title"/>
           </p:nvPr>
@@ -794,7 +923,7 @@
           </a:prstGeom>
         </p:spPr>
         <p:txBody>
-          <a:bodyPr anchorCtr="0" anchor="b" bIns="91425" lIns="91425" rIns="91425" tIns="91425"/>
+          <a:bodyPr lIns="91425" tIns="91425" rIns="91425" bIns="91425" anchor="b" anchorCtr="0"/>
           <a:lstStyle>
             <a:lvl1pPr lvl="0" algn="ctr">
               <a:spcBef>
@@ -860,15 +989,19 @@
               <a:defRPr sz="12000"/>
             </a:lvl9pPr>
           </a:lstStyle>
-          <a:p/>
+          <a:p>
+            <a:endParaRPr/>
+          </a:p>
         </p:txBody>
       </p:sp>
       <p:sp>
         <p:nvSpPr>
           <p:cNvPr id="46" name="Shape 46"/>
-          <p:cNvSpPr txBox="1"/>
+          <p:cNvSpPr txBox="1">
+            <a:spLocks noGrp="1"/>
+          </p:cNvSpPr>
           <p:nvPr>
-            <p:ph idx="1" type="body"/>
+            <p:ph type="body" idx="1"/>
           </p:nvPr>
         </p:nvSpPr>
         <p:spPr>
@@ -881,7 +1014,7 @@
           </a:prstGeom>
         </p:spPr>
         <p:txBody>
-          <a:bodyPr anchorCtr="0" anchor="t" bIns="91425" lIns="91425" rIns="91425" tIns="91425"/>
+          <a:bodyPr lIns="91425" tIns="91425" rIns="91425" bIns="91425" anchor="t" anchorCtr="0"/>
           <a:lstStyle>
             <a:lvl1pPr lvl="0" algn="ctr">
               <a:spcBef>
@@ -938,15 +1071,19 @@
               <a:defRPr/>
             </a:lvl9pPr>
           </a:lstStyle>
-          <a:p/>
+          <a:p>
+            <a:endParaRPr/>
+          </a:p>
         </p:txBody>
       </p:sp>
       <p:sp>
         <p:nvSpPr>
           <p:cNvPr id="47" name="Shape 47"/>
-          <p:cNvSpPr txBox="1"/>
+          <p:cNvSpPr txBox="1">
+            <a:spLocks noGrp="1"/>
+          </p:cNvSpPr>
           <p:nvPr>
-            <p:ph idx="12" type="sldNum"/>
+            <p:ph type="sldNum" idx="12"/>
           </p:nvPr>
         </p:nvSpPr>
         <p:spPr>
@@ -959,7 +1096,7 @@
           </a:prstGeom>
         </p:spPr>
         <p:txBody>
-          <a:bodyPr anchorCtr="0" anchor="ctr" bIns="91425" lIns="91425" rIns="91425" tIns="91425">
+          <a:bodyPr lIns="91425" tIns="91425" rIns="91425" bIns="91425" anchor="ctr" anchorCtr="0">
             <a:noAutofit/>
           </a:bodyPr>
           <a:lstStyle/>
@@ -974,6 +1111,7 @@
               <a:rPr lang="en"/>
               <a:t>‹#›</a:t>
             </a:fld>
+            <a:endParaRPr lang="en"/>
           </a:p>
         </p:txBody>
       </p:sp>
@@ -986,11 +1124,11 @@
 </file>
 
 <file path=ppt/slideLayouts/slideLayout11.xml><?xml version="1.0" encoding="utf-8"?>
-<p:sldLayout xmlns:a="http://schemas.openxmlformats.org/drawingml/2006/main" xmlns:r="http://schemas.openxmlformats.org/officeDocument/2006/relationships" xmlns:mc="http://schemas.openxmlformats.org/markup-compatibility/2006" xmlns:mv="urn:schemas-microsoft-com:mac:vml" xmlns:p="http://schemas.openxmlformats.org/presentationml/2006/main" xmlns:c="http://schemas.openxmlformats.org/drawingml/2006/chart" xmlns:dgm="http://schemas.openxmlformats.org/drawingml/2006/diagram" xmlns:o="urn:schemas-microsoft-com:office:office" xmlns:v="urn:schemas-microsoft-com:vml" xmlns:pvml="urn:schemas-microsoft-com:office:powerpoint" xmlns:com="http://schemas.openxmlformats.org/drawingml/2006/compatibility" xmlns:p14="http://schemas.microsoft.com/office/powerpoint/2010/main" type="blank">
+<p:sldLayout xmlns:a="http://schemas.openxmlformats.org/drawingml/2006/main" xmlns:r="http://schemas.openxmlformats.org/officeDocument/2006/relationships" xmlns:p="http://schemas.openxmlformats.org/presentationml/2006/main" type="blank">
   <p:cSld name="Blank">
     <p:spTree>
       <p:nvGrpSpPr>
-        <p:cNvPr id="48" name="Shape 48"/>
+        <p:cNvPr id="1" name="Shape 48"/>
         <p:cNvGrpSpPr/>
         <p:nvPr/>
       </p:nvGrpSpPr>
@@ -1005,9 +1143,11 @@
       <p:sp>
         <p:nvSpPr>
           <p:cNvPr id="49" name="Shape 49"/>
-          <p:cNvSpPr txBox="1"/>
+          <p:cNvSpPr txBox="1">
+            <a:spLocks noGrp="1"/>
+          </p:cNvSpPr>
           <p:nvPr>
-            <p:ph idx="12" type="sldNum"/>
+            <p:ph type="sldNum" idx="12"/>
           </p:nvPr>
         </p:nvSpPr>
         <p:spPr>
@@ -1020,7 +1160,7 @@
           </a:prstGeom>
         </p:spPr>
         <p:txBody>
-          <a:bodyPr anchorCtr="0" anchor="ctr" bIns="91425" lIns="91425" rIns="91425" tIns="91425">
+          <a:bodyPr lIns="91425" tIns="91425" rIns="91425" bIns="91425" anchor="ctr" anchorCtr="0">
             <a:noAutofit/>
           </a:bodyPr>
           <a:lstStyle/>
@@ -1035,6 +1175,7 @@
               <a:rPr lang="en"/>
               <a:t>‹#›</a:t>
             </a:fld>
+            <a:endParaRPr lang="en"/>
           </a:p>
         </p:txBody>
       </p:sp>
@@ -1047,11 +1188,11 @@
 </file>
 
 <file path=ppt/slideLayouts/slideLayout2.xml><?xml version="1.0" encoding="utf-8"?>
-<p:sldLayout xmlns:a="http://schemas.openxmlformats.org/drawingml/2006/main" xmlns:r="http://schemas.openxmlformats.org/officeDocument/2006/relationships" xmlns:mc="http://schemas.openxmlformats.org/markup-compatibility/2006" xmlns:mv="urn:schemas-microsoft-com:mac:vml" xmlns:p="http://schemas.openxmlformats.org/presentationml/2006/main" xmlns:c="http://schemas.openxmlformats.org/drawingml/2006/chart" xmlns:dgm="http://schemas.openxmlformats.org/drawingml/2006/diagram" xmlns:o="urn:schemas-microsoft-com:office:office" xmlns:v="urn:schemas-microsoft-com:vml" xmlns:pvml="urn:schemas-microsoft-com:office:powerpoint" xmlns:com="http://schemas.openxmlformats.org/drawingml/2006/compatibility" xmlns:p14="http://schemas.microsoft.com/office/powerpoint/2010/main" type="secHead">
+<p:sldLayout xmlns:a="http://schemas.openxmlformats.org/drawingml/2006/main" xmlns:r="http://schemas.openxmlformats.org/officeDocument/2006/relationships" xmlns:p="http://schemas.openxmlformats.org/presentationml/2006/main" type="secHead">
   <p:cSld name="Section header">
     <p:spTree>
       <p:nvGrpSpPr>
-        <p:cNvPr id="13" name="Shape 13"/>
+        <p:cNvPr id="1" name="Shape 13"/>
         <p:cNvGrpSpPr/>
         <p:nvPr/>
       </p:nvGrpSpPr>
@@ -1066,7 +1207,9 @@
       <p:sp>
         <p:nvSpPr>
           <p:cNvPr id="14" name="Shape 14"/>
-          <p:cNvSpPr txBox="1"/>
+          <p:cNvSpPr txBox="1">
+            <a:spLocks noGrp="1"/>
+          </p:cNvSpPr>
           <p:nvPr>
             <p:ph type="title"/>
           </p:nvPr>
@@ -1081,7 +1224,7 @@
           </a:prstGeom>
         </p:spPr>
         <p:txBody>
-          <a:bodyPr anchorCtr="0" anchor="ctr" bIns="91425" lIns="91425" rIns="91425" tIns="91425"/>
+          <a:bodyPr lIns="91425" tIns="91425" rIns="91425" bIns="91425" anchor="ctr" anchorCtr="0"/>
           <a:lstStyle>
             <a:lvl1pPr lvl="0" algn="ctr">
               <a:spcBef>
@@ -1147,15 +1290,19 @@
               <a:defRPr sz="3600"/>
             </a:lvl9pPr>
           </a:lstStyle>
-          <a:p/>
+          <a:p>
+            <a:endParaRPr/>
+          </a:p>
         </p:txBody>
       </p:sp>
       <p:sp>
         <p:nvSpPr>
           <p:cNvPr id="15" name="Shape 15"/>
-          <p:cNvSpPr txBox="1"/>
+          <p:cNvSpPr txBox="1">
+            <a:spLocks noGrp="1"/>
+          </p:cNvSpPr>
           <p:nvPr>
-            <p:ph idx="12" type="sldNum"/>
+            <p:ph type="sldNum" idx="12"/>
           </p:nvPr>
         </p:nvSpPr>
         <p:spPr>
@@ -1168,7 +1315,7 @@
           </a:prstGeom>
         </p:spPr>
         <p:txBody>
-          <a:bodyPr anchorCtr="0" anchor="ctr" bIns="91425" lIns="91425" rIns="91425" tIns="91425">
+          <a:bodyPr lIns="91425" tIns="91425" rIns="91425" bIns="91425" anchor="ctr" anchorCtr="0">
             <a:noAutofit/>
           </a:bodyPr>
           <a:lstStyle/>
@@ -1183,6 +1330,7 @@
               <a:rPr lang="en"/>
               <a:t>‹#›</a:t>
             </a:fld>
+            <a:endParaRPr lang="en"/>
           </a:p>
         </p:txBody>
       </p:sp>
@@ -1195,11 +1343,11 @@
 </file>
 
 <file path=ppt/slideLayouts/slideLayout3.xml><?xml version="1.0" encoding="utf-8"?>
-<p:sldLayout xmlns:a="http://schemas.openxmlformats.org/drawingml/2006/main" xmlns:r="http://schemas.openxmlformats.org/officeDocument/2006/relationships" xmlns:mc="http://schemas.openxmlformats.org/markup-compatibility/2006" xmlns:mv="urn:schemas-microsoft-com:mac:vml" xmlns:p="http://schemas.openxmlformats.org/presentationml/2006/main" xmlns:c="http://schemas.openxmlformats.org/drawingml/2006/chart" xmlns:dgm="http://schemas.openxmlformats.org/drawingml/2006/diagram" xmlns:o="urn:schemas-microsoft-com:office:office" xmlns:v="urn:schemas-microsoft-com:vml" xmlns:pvml="urn:schemas-microsoft-com:office:powerpoint" xmlns:com="http://schemas.openxmlformats.org/drawingml/2006/compatibility" xmlns:p14="http://schemas.microsoft.com/office/powerpoint/2010/main" type="tx">
+<p:sldLayout xmlns:a="http://schemas.openxmlformats.org/drawingml/2006/main" xmlns:r="http://schemas.openxmlformats.org/officeDocument/2006/relationships" xmlns:p="http://schemas.openxmlformats.org/presentationml/2006/main" type="tx">
   <p:cSld name="Title and body">
     <p:spTree>
       <p:nvGrpSpPr>
-        <p:cNvPr id="16" name="Shape 16"/>
+        <p:cNvPr id="1" name="Shape 16"/>
         <p:cNvGrpSpPr/>
         <p:nvPr/>
       </p:nvGrpSpPr>
@@ -1214,7 +1362,9 @@
       <p:sp>
         <p:nvSpPr>
           <p:cNvPr id="17" name="Shape 17"/>
-          <p:cNvSpPr txBox="1"/>
+          <p:cNvSpPr txBox="1">
+            <a:spLocks noGrp="1"/>
+          </p:cNvSpPr>
           <p:nvPr>
             <p:ph type="title"/>
           </p:nvPr>
@@ -1229,7 +1379,7 @@
           </a:prstGeom>
         </p:spPr>
         <p:txBody>
-          <a:bodyPr anchorCtr="0" anchor="t" bIns="91425" lIns="91425" rIns="91425" tIns="91425"/>
+          <a:bodyPr lIns="91425" tIns="91425" rIns="91425" bIns="91425" anchor="t" anchorCtr="0"/>
           <a:lstStyle>
             <a:lvl1pPr lvl="0">
               <a:spcBef>
@@ -1286,15 +1436,19 @@
               <a:defRPr/>
             </a:lvl9pPr>
           </a:lstStyle>
-          <a:p/>
+          <a:p>
+            <a:endParaRPr/>
+          </a:p>
         </p:txBody>
       </p:sp>
       <p:sp>
         <p:nvSpPr>
           <p:cNvPr id="18" name="Shape 18"/>
-          <p:cNvSpPr txBox="1"/>
+          <p:cNvSpPr txBox="1">
+            <a:spLocks noGrp="1"/>
+          </p:cNvSpPr>
           <p:nvPr>
-            <p:ph idx="1" type="body"/>
+            <p:ph type="body" idx="1"/>
           </p:nvPr>
         </p:nvSpPr>
         <p:spPr>
@@ -1307,7 +1461,7 @@
           </a:prstGeom>
         </p:spPr>
         <p:txBody>
-          <a:bodyPr anchorCtr="0" anchor="t" bIns="91425" lIns="91425" rIns="91425" tIns="91425"/>
+          <a:bodyPr lIns="91425" tIns="91425" rIns="91425" bIns="91425" anchor="t" anchorCtr="0"/>
           <a:lstStyle>
             <a:lvl1pPr lvl="0">
               <a:spcBef>
@@ -1364,15 +1518,19 @@
               <a:defRPr/>
             </a:lvl9pPr>
           </a:lstStyle>
-          <a:p/>
+          <a:p>
+            <a:endParaRPr/>
+          </a:p>
         </p:txBody>
       </p:sp>
       <p:sp>
         <p:nvSpPr>
           <p:cNvPr id="19" name="Shape 19"/>
-          <p:cNvSpPr txBox="1"/>
+          <p:cNvSpPr txBox="1">
+            <a:spLocks noGrp="1"/>
+          </p:cNvSpPr>
           <p:nvPr>
-            <p:ph idx="12" type="sldNum"/>
+            <p:ph type="sldNum" idx="12"/>
           </p:nvPr>
         </p:nvSpPr>
         <p:spPr>
@@ -1385,7 +1543,7 @@
           </a:prstGeom>
         </p:spPr>
         <p:txBody>
-          <a:bodyPr anchorCtr="0" anchor="ctr" bIns="91425" lIns="91425" rIns="91425" tIns="91425">
+          <a:bodyPr lIns="91425" tIns="91425" rIns="91425" bIns="91425" anchor="ctr" anchorCtr="0">
             <a:noAutofit/>
           </a:bodyPr>
           <a:lstStyle/>
@@ -1400,6 +1558,7 @@
               <a:rPr lang="en"/>
               <a:t>‹#›</a:t>
             </a:fld>
+            <a:endParaRPr lang="en"/>
           </a:p>
         </p:txBody>
       </p:sp>
@@ -1412,11 +1571,11 @@
 </file>
 
 <file path=ppt/slideLayouts/slideLayout4.xml><?xml version="1.0" encoding="utf-8"?>
-<p:sldLayout xmlns:a="http://schemas.openxmlformats.org/drawingml/2006/main" xmlns:r="http://schemas.openxmlformats.org/officeDocument/2006/relationships" xmlns:mc="http://schemas.openxmlformats.org/markup-compatibility/2006" xmlns:mv="urn:schemas-microsoft-com:mac:vml" xmlns:p="http://schemas.openxmlformats.org/presentationml/2006/main" xmlns:c="http://schemas.openxmlformats.org/drawingml/2006/chart" xmlns:dgm="http://schemas.openxmlformats.org/drawingml/2006/diagram" xmlns:o="urn:schemas-microsoft-com:office:office" xmlns:v="urn:schemas-microsoft-com:vml" xmlns:pvml="urn:schemas-microsoft-com:office:powerpoint" xmlns:com="http://schemas.openxmlformats.org/drawingml/2006/compatibility" xmlns:p14="http://schemas.microsoft.com/office/powerpoint/2010/main" type="twoColTx">
+<p:sldLayout xmlns:a="http://schemas.openxmlformats.org/drawingml/2006/main" xmlns:r="http://schemas.openxmlformats.org/officeDocument/2006/relationships" xmlns:p="http://schemas.openxmlformats.org/presentationml/2006/main" type="twoColTx">
   <p:cSld name="Title and two columns">
     <p:spTree>
       <p:nvGrpSpPr>
-        <p:cNvPr id="20" name="Shape 20"/>
+        <p:cNvPr id="1" name="Shape 20"/>
         <p:cNvGrpSpPr/>
         <p:nvPr/>
       </p:nvGrpSpPr>
@@ -1431,7 +1590,9 @@
       <p:sp>
         <p:nvSpPr>
           <p:cNvPr id="21" name="Shape 21"/>
-          <p:cNvSpPr txBox="1"/>
+          <p:cNvSpPr txBox="1">
+            <a:spLocks noGrp="1"/>
+          </p:cNvSpPr>
           <p:nvPr>
             <p:ph type="title"/>
           </p:nvPr>
@@ -1446,7 +1607,7 @@
           </a:prstGeom>
         </p:spPr>
         <p:txBody>
-          <a:bodyPr anchorCtr="0" anchor="t" bIns="91425" lIns="91425" rIns="91425" tIns="91425"/>
+          <a:bodyPr lIns="91425" tIns="91425" rIns="91425" bIns="91425" anchor="t" anchorCtr="0"/>
           <a:lstStyle>
             <a:lvl1pPr lvl="0">
               <a:spcBef>
@@ -1503,15 +1664,19 @@
               <a:defRPr/>
             </a:lvl9pPr>
           </a:lstStyle>
-          <a:p/>
+          <a:p>
+            <a:endParaRPr/>
+          </a:p>
         </p:txBody>
       </p:sp>
       <p:sp>
         <p:nvSpPr>
           <p:cNvPr id="22" name="Shape 22"/>
-          <p:cNvSpPr txBox="1"/>
+          <p:cNvSpPr txBox="1">
+            <a:spLocks noGrp="1"/>
+          </p:cNvSpPr>
           <p:nvPr>
-            <p:ph idx="1" type="body"/>
+            <p:ph type="body" idx="1"/>
           </p:nvPr>
         </p:nvSpPr>
         <p:spPr>
@@ -1524,7 +1689,7 @@
           </a:prstGeom>
         </p:spPr>
         <p:txBody>
-          <a:bodyPr anchorCtr="0" anchor="t" bIns="91425" lIns="91425" rIns="91425" tIns="91425"/>
+          <a:bodyPr lIns="91425" tIns="91425" rIns="91425" bIns="91425" anchor="t" anchorCtr="0"/>
           <a:lstStyle>
             <a:lvl1pPr lvl="0">
               <a:spcBef>
@@ -1590,15 +1755,19 @@
               <a:defRPr sz="1200"/>
             </a:lvl9pPr>
           </a:lstStyle>
-          <a:p/>
+          <a:p>
+            <a:endParaRPr/>
+          </a:p>
         </p:txBody>
       </p:sp>
       <p:sp>
         <p:nvSpPr>
           <p:cNvPr id="23" name="Shape 23"/>
-          <p:cNvSpPr txBox="1"/>
+          <p:cNvSpPr txBox="1">
+            <a:spLocks noGrp="1"/>
+          </p:cNvSpPr>
           <p:nvPr>
-            <p:ph idx="2" type="body"/>
+            <p:ph type="body" idx="2"/>
           </p:nvPr>
         </p:nvSpPr>
         <p:spPr>
@@ -1611,7 +1780,7 @@
           </a:prstGeom>
         </p:spPr>
         <p:txBody>
-          <a:bodyPr anchorCtr="0" anchor="t" bIns="91425" lIns="91425" rIns="91425" tIns="91425"/>
+          <a:bodyPr lIns="91425" tIns="91425" rIns="91425" bIns="91425" anchor="t" anchorCtr="0"/>
           <a:lstStyle>
             <a:lvl1pPr lvl="0">
               <a:spcBef>
@@ -1677,15 +1846,19 @@
               <a:defRPr sz="1200"/>
             </a:lvl9pPr>
           </a:lstStyle>
-          <a:p/>
+          <a:p>
+            <a:endParaRPr/>
+          </a:p>
         </p:txBody>
       </p:sp>
       <p:sp>
         <p:nvSpPr>
           <p:cNvPr id="24" name="Shape 24"/>
-          <p:cNvSpPr txBox="1"/>
+          <p:cNvSpPr txBox="1">
+            <a:spLocks noGrp="1"/>
+          </p:cNvSpPr>
           <p:nvPr>
-            <p:ph idx="12" type="sldNum"/>
+            <p:ph type="sldNum" idx="12"/>
           </p:nvPr>
         </p:nvSpPr>
         <p:spPr>
@@ -1698,7 +1871,7 @@
           </a:prstGeom>
         </p:spPr>
         <p:txBody>
-          <a:bodyPr anchorCtr="0" anchor="ctr" bIns="91425" lIns="91425" rIns="91425" tIns="91425">
+          <a:bodyPr lIns="91425" tIns="91425" rIns="91425" bIns="91425" anchor="ctr" anchorCtr="0">
             <a:noAutofit/>
           </a:bodyPr>
           <a:lstStyle/>
@@ -1713,6 +1886,7 @@
               <a:rPr lang="en"/>
               <a:t>‹#›</a:t>
             </a:fld>
+            <a:endParaRPr lang="en"/>
           </a:p>
         </p:txBody>
       </p:sp>
@@ -1725,11 +1899,11 @@
 </file>
 
 <file path=ppt/slideLayouts/slideLayout5.xml><?xml version="1.0" encoding="utf-8"?>
-<p:sldLayout xmlns:a="http://schemas.openxmlformats.org/drawingml/2006/main" xmlns:r="http://schemas.openxmlformats.org/officeDocument/2006/relationships" xmlns:mc="http://schemas.openxmlformats.org/markup-compatibility/2006" xmlns:mv="urn:schemas-microsoft-com:mac:vml" xmlns:p="http://schemas.openxmlformats.org/presentationml/2006/main" xmlns:c="http://schemas.openxmlformats.org/drawingml/2006/chart" xmlns:dgm="http://schemas.openxmlformats.org/drawingml/2006/diagram" xmlns:o="urn:schemas-microsoft-com:office:office" xmlns:v="urn:schemas-microsoft-com:vml" xmlns:pvml="urn:schemas-microsoft-com:office:powerpoint" xmlns:com="http://schemas.openxmlformats.org/drawingml/2006/compatibility" xmlns:p14="http://schemas.microsoft.com/office/powerpoint/2010/main" type="titleOnly">
+<p:sldLayout xmlns:a="http://schemas.openxmlformats.org/drawingml/2006/main" xmlns:r="http://schemas.openxmlformats.org/officeDocument/2006/relationships" xmlns:p="http://schemas.openxmlformats.org/presentationml/2006/main" type="titleOnly">
   <p:cSld name="Title only">
     <p:spTree>
       <p:nvGrpSpPr>
-        <p:cNvPr id="25" name="Shape 25"/>
+        <p:cNvPr id="1" name="Shape 25"/>
         <p:cNvGrpSpPr/>
         <p:nvPr/>
       </p:nvGrpSpPr>
@@ -1744,7 +1918,9 @@
       <p:sp>
         <p:nvSpPr>
           <p:cNvPr id="26" name="Shape 26"/>
-          <p:cNvSpPr txBox="1"/>
+          <p:cNvSpPr txBox="1">
+            <a:spLocks noGrp="1"/>
+          </p:cNvSpPr>
           <p:nvPr>
             <p:ph type="title"/>
           </p:nvPr>
@@ -1759,7 +1935,7 @@
           </a:prstGeom>
         </p:spPr>
         <p:txBody>
-          <a:bodyPr anchorCtr="0" anchor="t" bIns="91425" lIns="91425" rIns="91425" tIns="91425"/>
+          <a:bodyPr lIns="91425" tIns="91425" rIns="91425" bIns="91425" anchor="t" anchorCtr="0"/>
           <a:lstStyle>
             <a:lvl1pPr lvl="0">
               <a:spcBef>
@@ -1816,15 +1992,19 @@
               <a:defRPr/>
             </a:lvl9pPr>
           </a:lstStyle>
-          <a:p/>
+          <a:p>
+            <a:endParaRPr/>
+          </a:p>
         </p:txBody>
       </p:sp>
       <p:sp>
         <p:nvSpPr>
           <p:cNvPr id="27" name="Shape 27"/>
-          <p:cNvSpPr txBox="1"/>
+          <p:cNvSpPr txBox="1">
+            <a:spLocks noGrp="1"/>
+          </p:cNvSpPr>
           <p:nvPr>
-            <p:ph idx="12" type="sldNum"/>
+            <p:ph type="sldNum" idx="12"/>
           </p:nvPr>
         </p:nvSpPr>
         <p:spPr>
@@ -1837,7 +2017,7 @@
           </a:prstGeom>
         </p:spPr>
         <p:txBody>
-          <a:bodyPr anchorCtr="0" anchor="ctr" bIns="91425" lIns="91425" rIns="91425" tIns="91425">
+          <a:bodyPr lIns="91425" tIns="91425" rIns="91425" bIns="91425" anchor="ctr" anchorCtr="0">
             <a:noAutofit/>
           </a:bodyPr>
           <a:lstStyle/>
@@ -1852,6 +2032,7 @@
               <a:rPr lang="en"/>
               <a:t>‹#›</a:t>
             </a:fld>
+            <a:endParaRPr lang="en"/>
           </a:p>
         </p:txBody>
       </p:sp>
@@ -1864,11 +2045,11 @@
 </file>
 
 <file path=ppt/slideLayouts/slideLayout6.xml><?xml version="1.0" encoding="utf-8"?>
-<p:sldLayout xmlns:a="http://schemas.openxmlformats.org/drawingml/2006/main" xmlns:r="http://schemas.openxmlformats.org/officeDocument/2006/relationships" xmlns:mc="http://schemas.openxmlformats.org/markup-compatibility/2006" xmlns:mv="urn:schemas-microsoft-com:mac:vml" xmlns:p="http://schemas.openxmlformats.org/presentationml/2006/main" xmlns:c="http://schemas.openxmlformats.org/drawingml/2006/chart" xmlns:dgm="http://schemas.openxmlformats.org/drawingml/2006/diagram" xmlns:o="urn:schemas-microsoft-com:office:office" xmlns:v="urn:schemas-microsoft-com:vml" xmlns:pvml="urn:schemas-microsoft-com:office:powerpoint" xmlns:com="http://schemas.openxmlformats.org/drawingml/2006/compatibility" xmlns:p14="http://schemas.microsoft.com/office/powerpoint/2010/main">
+<p:sldLayout xmlns:a="http://schemas.openxmlformats.org/drawingml/2006/main" xmlns:r="http://schemas.openxmlformats.org/officeDocument/2006/relationships" xmlns:p="http://schemas.openxmlformats.org/presentationml/2006/main">
   <p:cSld name="One column text">
     <p:spTree>
       <p:nvGrpSpPr>
-        <p:cNvPr id="28" name="Shape 28"/>
+        <p:cNvPr id="1" name="Shape 28"/>
         <p:cNvGrpSpPr/>
         <p:nvPr/>
       </p:nvGrpSpPr>
@@ -1883,7 +2064,9 @@
       <p:sp>
         <p:nvSpPr>
           <p:cNvPr id="29" name="Shape 29"/>
-          <p:cNvSpPr txBox="1"/>
+          <p:cNvSpPr txBox="1">
+            <a:spLocks noGrp="1"/>
+          </p:cNvSpPr>
           <p:nvPr>
             <p:ph type="title"/>
           </p:nvPr>
@@ -1898,7 +2081,7 @@
           </a:prstGeom>
         </p:spPr>
         <p:txBody>
-          <a:bodyPr anchorCtr="0" anchor="b" bIns="91425" lIns="91425" rIns="91425" tIns="91425"/>
+          <a:bodyPr lIns="91425" tIns="91425" rIns="91425" bIns="91425" anchor="b" anchorCtr="0"/>
           <a:lstStyle>
             <a:lvl1pPr lvl="0">
               <a:spcBef>
@@ -1964,15 +2147,19 @@
               <a:defRPr sz="2400"/>
             </a:lvl9pPr>
           </a:lstStyle>
-          <a:p/>
+          <a:p>
+            <a:endParaRPr/>
+          </a:p>
         </p:txBody>
       </p:sp>
       <p:sp>
         <p:nvSpPr>
           <p:cNvPr id="30" name="Shape 30"/>
-          <p:cNvSpPr txBox="1"/>
+          <p:cNvSpPr txBox="1">
+            <a:spLocks noGrp="1"/>
+          </p:cNvSpPr>
           <p:nvPr>
-            <p:ph idx="1" type="body"/>
+            <p:ph type="body" idx="1"/>
           </p:nvPr>
         </p:nvSpPr>
         <p:spPr>
@@ -1985,7 +2172,7 @@
           </a:prstGeom>
         </p:spPr>
         <p:txBody>
-          <a:bodyPr anchorCtr="0" anchor="t" bIns="91425" lIns="91425" rIns="91425" tIns="91425"/>
+          <a:bodyPr lIns="91425" tIns="91425" rIns="91425" bIns="91425" anchor="t" anchorCtr="0"/>
           <a:lstStyle>
             <a:lvl1pPr lvl="0">
               <a:spcBef>
@@ -2051,15 +2238,19 @@
               <a:defRPr sz="1200"/>
             </a:lvl9pPr>
           </a:lstStyle>
-          <a:p/>
+          <a:p>
+            <a:endParaRPr/>
+          </a:p>
         </p:txBody>
       </p:sp>
       <p:sp>
         <p:nvSpPr>
           <p:cNvPr id="31" name="Shape 31"/>
-          <p:cNvSpPr txBox="1"/>
+          <p:cNvSpPr txBox="1">
+            <a:spLocks noGrp="1"/>
+          </p:cNvSpPr>
           <p:nvPr>
-            <p:ph idx="12" type="sldNum"/>
+            <p:ph type="sldNum" idx="12"/>
           </p:nvPr>
         </p:nvSpPr>
         <p:spPr>
@@ -2072,7 +2263,7 @@
           </a:prstGeom>
         </p:spPr>
         <p:txBody>
-          <a:bodyPr anchorCtr="0" anchor="ctr" bIns="91425" lIns="91425" rIns="91425" tIns="91425">
+          <a:bodyPr lIns="91425" tIns="91425" rIns="91425" bIns="91425" anchor="ctr" anchorCtr="0">
             <a:noAutofit/>
           </a:bodyPr>
           <a:lstStyle/>
@@ -2087,6 +2278,7 @@
               <a:rPr lang="en"/>
               <a:t>‹#›</a:t>
             </a:fld>
+            <a:endParaRPr lang="en"/>
           </a:p>
         </p:txBody>
       </p:sp>
@@ -2099,11 +2291,11 @@
 </file>
 
 <file path=ppt/slideLayouts/slideLayout7.xml><?xml version="1.0" encoding="utf-8"?>
-<p:sldLayout xmlns:a="http://schemas.openxmlformats.org/drawingml/2006/main" xmlns:r="http://schemas.openxmlformats.org/officeDocument/2006/relationships" xmlns:mc="http://schemas.openxmlformats.org/markup-compatibility/2006" xmlns:mv="urn:schemas-microsoft-com:mac:vml" xmlns:p="http://schemas.openxmlformats.org/presentationml/2006/main" xmlns:c="http://schemas.openxmlformats.org/drawingml/2006/chart" xmlns:dgm="http://schemas.openxmlformats.org/drawingml/2006/diagram" xmlns:o="urn:schemas-microsoft-com:office:office" xmlns:v="urn:schemas-microsoft-com:vml" xmlns:pvml="urn:schemas-microsoft-com:office:powerpoint" xmlns:com="http://schemas.openxmlformats.org/drawingml/2006/compatibility" xmlns:p14="http://schemas.microsoft.com/office/powerpoint/2010/main">
+<p:sldLayout xmlns:a="http://schemas.openxmlformats.org/drawingml/2006/main" xmlns:r="http://schemas.openxmlformats.org/officeDocument/2006/relationships" xmlns:p="http://schemas.openxmlformats.org/presentationml/2006/main">
   <p:cSld name="Main point">
     <p:spTree>
       <p:nvGrpSpPr>
-        <p:cNvPr id="32" name="Shape 32"/>
+        <p:cNvPr id="1" name="Shape 32"/>
         <p:cNvGrpSpPr/>
         <p:nvPr/>
       </p:nvGrpSpPr>
@@ -2118,7 +2310,9 @@
       <p:sp>
         <p:nvSpPr>
           <p:cNvPr id="33" name="Shape 33"/>
-          <p:cNvSpPr txBox="1"/>
+          <p:cNvSpPr txBox="1">
+            <a:spLocks noGrp="1"/>
+          </p:cNvSpPr>
           <p:nvPr>
             <p:ph type="title"/>
           </p:nvPr>
@@ -2133,7 +2327,7 @@
           </a:prstGeom>
         </p:spPr>
         <p:txBody>
-          <a:bodyPr anchorCtr="0" anchor="ctr" bIns="91425" lIns="91425" rIns="91425" tIns="91425"/>
+          <a:bodyPr lIns="91425" tIns="91425" rIns="91425" bIns="91425" anchor="ctr" anchorCtr="0"/>
           <a:lstStyle>
             <a:lvl1pPr lvl="0">
               <a:spcBef>
@@ -2199,15 +2393,19 @@
               <a:defRPr sz="4800"/>
             </a:lvl9pPr>
           </a:lstStyle>
-          <a:p/>
+          <a:p>
+            <a:endParaRPr/>
+          </a:p>
         </p:txBody>
       </p:sp>
       <p:sp>
         <p:nvSpPr>
           <p:cNvPr id="34" name="Shape 34"/>
-          <p:cNvSpPr txBox="1"/>
+          <p:cNvSpPr txBox="1">
+            <a:spLocks noGrp="1"/>
+          </p:cNvSpPr>
           <p:nvPr>
-            <p:ph idx="12" type="sldNum"/>
+            <p:ph type="sldNum" idx="12"/>
           </p:nvPr>
         </p:nvSpPr>
         <p:spPr>
@@ -2220,7 +2418,7 @@
           </a:prstGeom>
         </p:spPr>
         <p:txBody>
-          <a:bodyPr anchorCtr="0" anchor="ctr" bIns="91425" lIns="91425" rIns="91425" tIns="91425">
+          <a:bodyPr lIns="91425" tIns="91425" rIns="91425" bIns="91425" anchor="ctr" anchorCtr="0">
             <a:noAutofit/>
           </a:bodyPr>
           <a:lstStyle/>
@@ -2235,6 +2433,7 @@
               <a:rPr lang="en"/>
               <a:t>‹#›</a:t>
             </a:fld>
+            <a:endParaRPr lang="en"/>
           </a:p>
         </p:txBody>
       </p:sp>
@@ -2247,11 +2446,11 @@
 </file>
 
 <file path=ppt/slideLayouts/slideLayout8.xml><?xml version="1.0" encoding="utf-8"?>
-<p:sldLayout xmlns:a="http://schemas.openxmlformats.org/drawingml/2006/main" xmlns:r="http://schemas.openxmlformats.org/officeDocument/2006/relationships" xmlns:mc="http://schemas.openxmlformats.org/markup-compatibility/2006" xmlns:mv="urn:schemas-microsoft-com:mac:vml" xmlns:p="http://schemas.openxmlformats.org/presentationml/2006/main" xmlns:c="http://schemas.openxmlformats.org/drawingml/2006/chart" xmlns:dgm="http://schemas.openxmlformats.org/drawingml/2006/diagram" xmlns:o="urn:schemas-microsoft-com:office:office" xmlns:v="urn:schemas-microsoft-com:vml" xmlns:pvml="urn:schemas-microsoft-com:office:powerpoint" xmlns:com="http://schemas.openxmlformats.org/drawingml/2006/compatibility" xmlns:p14="http://schemas.microsoft.com/office/powerpoint/2010/main">
+<p:sldLayout xmlns:a="http://schemas.openxmlformats.org/drawingml/2006/main" xmlns:r="http://schemas.openxmlformats.org/officeDocument/2006/relationships" xmlns:p="http://schemas.openxmlformats.org/presentationml/2006/main">
   <p:cSld name="Section title and description">
     <p:spTree>
       <p:nvGrpSpPr>
-        <p:cNvPr id="35" name="Shape 35"/>
+        <p:cNvPr id="1" name="Shape 35"/>
         <p:cNvGrpSpPr/>
         <p:nvPr/>
       </p:nvGrpSpPr>
@@ -2285,7 +2484,7 @@
           </a:ln>
         </p:spPr>
         <p:txBody>
-          <a:bodyPr anchorCtr="0" anchor="ctr" bIns="91425" lIns="91425" rIns="91425" tIns="91425">
+          <a:bodyPr lIns="91425" tIns="91425" rIns="91425" bIns="91425" anchor="ctr" anchorCtr="0">
             <a:noAutofit/>
           </a:bodyPr>
           <a:lstStyle/>
@@ -2296,9 +2495,6 @@
               </a:spcBef>
               <a:buNone/>
             </a:pPr>
-            <a:r>
-              <a:t/>
-            </a:r>
             <a:endParaRPr/>
           </a:p>
         </p:txBody>
@@ -2306,7 +2502,9 @@
       <p:sp>
         <p:nvSpPr>
           <p:cNvPr id="37" name="Shape 37"/>
-          <p:cNvSpPr txBox="1"/>
+          <p:cNvSpPr txBox="1">
+            <a:spLocks noGrp="1"/>
+          </p:cNvSpPr>
           <p:nvPr>
             <p:ph type="title"/>
           </p:nvPr>
@@ -2321,7 +2519,7 @@
           </a:prstGeom>
         </p:spPr>
         <p:txBody>
-          <a:bodyPr anchorCtr="0" anchor="b" bIns="91425" lIns="91425" rIns="91425" tIns="91425"/>
+          <a:bodyPr lIns="91425" tIns="91425" rIns="91425" bIns="91425" anchor="b" anchorCtr="0"/>
           <a:lstStyle>
             <a:lvl1pPr lvl="0" algn="ctr">
               <a:spcBef>
@@ -2387,15 +2585,19 @@
               <a:defRPr sz="4200"/>
             </a:lvl9pPr>
           </a:lstStyle>
-          <a:p/>
+          <a:p>
+            <a:endParaRPr/>
+          </a:p>
         </p:txBody>
       </p:sp>
       <p:sp>
         <p:nvSpPr>
           <p:cNvPr id="38" name="Shape 38"/>
-          <p:cNvSpPr txBox="1"/>
+          <p:cNvSpPr txBox="1">
+            <a:spLocks noGrp="1"/>
+          </p:cNvSpPr>
           <p:nvPr>
-            <p:ph idx="1" type="subTitle"/>
+            <p:ph type="subTitle" idx="1"/>
           </p:nvPr>
         </p:nvSpPr>
         <p:spPr>
@@ -2408,7 +2610,7 @@
           </a:prstGeom>
         </p:spPr>
         <p:txBody>
-          <a:bodyPr anchorCtr="0" anchor="t" bIns="91425" lIns="91425" rIns="91425" tIns="91425"/>
+          <a:bodyPr lIns="91425" tIns="91425" rIns="91425" bIns="91425" anchor="t" anchorCtr="0"/>
           <a:lstStyle>
             <a:lvl1pPr lvl="0" algn="ctr">
               <a:lnSpc>
@@ -2537,15 +2739,19 @@
               <a:defRPr sz="2100"/>
             </a:lvl9pPr>
           </a:lstStyle>
-          <a:p/>
+          <a:p>
+            <a:endParaRPr/>
+          </a:p>
         </p:txBody>
       </p:sp>
       <p:sp>
         <p:nvSpPr>
           <p:cNvPr id="39" name="Shape 39"/>
-          <p:cNvSpPr txBox="1"/>
+          <p:cNvSpPr txBox="1">
+            <a:spLocks noGrp="1"/>
+          </p:cNvSpPr>
           <p:nvPr>
-            <p:ph idx="2" type="body"/>
+            <p:ph type="body" idx="2"/>
           </p:nvPr>
         </p:nvSpPr>
         <p:spPr>
@@ -2558,7 +2764,7 @@
           </a:prstGeom>
         </p:spPr>
         <p:txBody>
-          <a:bodyPr anchorCtr="0" anchor="ctr" bIns="91425" lIns="91425" rIns="91425" tIns="91425"/>
+          <a:bodyPr lIns="91425" tIns="91425" rIns="91425" bIns="91425" anchor="ctr" anchorCtr="0"/>
           <a:lstStyle>
             <a:lvl1pPr lvl="0">
               <a:spcBef>
@@ -2615,15 +2821,19 @@
               <a:defRPr/>
             </a:lvl9pPr>
           </a:lstStyle>
-          <a:p/>
+          <a:p>
+            <a:endParaRPr/>
+          </a:p>
         </p:txBody>
       </p:sp>
       <p:sp>
         <p:nvSpPr>
           <p:cNvPr id="40" name="Shape 40"/>
-          <p:cNvSpPr txBox="1"/>
+          <p:cNvSpPr txBox="1">
+            <a:spLocks noGrp="1"/>
+          </p:cNvSpPr>
           <p:nvPr>
-            <p:ph idx="12" type="sldNum"/>
+            <p:ph type="sldNum" idx="12"/>
           </p:nvPr>
         </p:nvSpPr>
         <p:spPr>
@@ -2636,7 +2846,7 @@
           </a:prstGeom>
         </p:spPr>
         <p:txBody>
-          <a:bodyPr anchorCtr="0" anchor="ctr" bIns="91425" lIns="91425" rIns="91425" tIns="91425">
+          <a:bodyPr lIns="91425" tIns="91425" rIns="91425" bIns="91425" anchor="ctr" anchorCtr="0">
             <a:noAutofit/>
           </a:bodyPr>
           <a:lstStyle/>
@@ -2651,6 +2861,7 @@
               <a:rPr lang="en"/>
               <a:t>‹#›</a:t>
             </a:fld>
+            <a:endParaRPr lang="en"/>
           </a:p>
         </p:txBody>
       </p:sp>
@@ -2663,11 +2874,11 @@
 </file>
 
 <file path=ppt/slideLayouts/slideLayout9.xml><?xml version="1.0" encoding="utf-8"?>
-<p:sldLayout xmlns:a="http://schemas.openxmlformats.org/drawingml/2006/main" xmlns:r="http://schemas.openxmlformats.org/officeDocument/2006/relationships" xmlns:mc="http://schemas.openxmlformats.org/markup-compatibility/2006" xmlns:mv="urn:schemas-microsoft-com:mac:vml" xmlns:p="http://schemas.openxmlformats.org/presentationml/2006/main" xmlns:c="http://schemas.openxmlformats.org/drawingml/2006/chart" xmlns:dgm="http://schemas.openxmlformats.org/drawingml/2006/diagram" xmlns:o="urn:schemas-microsoft-com:office:office" xmlns:v="urn:schemas-microsoft-com:vml" xmlns:pvml="urn:schemas-microsoft-com:office:powerpoint" xmlns:com="http://schemas.openxmlformats.org/drawingml/2006/compatibility" xmlns:p14="http://schemas.microsoft.com/office/powerpoint/2010/main">
+<p:sldLayout xmlns:a="http://schemas.openxmlformats.org/drawingml/2006/main" xmlns:r="http://schemas.openxmlformats.org/officeDocument/2006/relationships" xmlns:p="http://schemas.openxmlformats.org/presentationml/2006/main">
   <p:cSld name="Caption">
     <p:spTree>
       <p:nvGrpSpPr>
-        <p:cNvPr id="41" name="Shape 41"/>
+        <p:cNvPr id="1" name="Shape 41"/>
         <p:cNvGrpSpPr/>
         <p:nvPr/>
       </p:nvGrpSpPr>
@@ -2682,9 +2893,11 @@
       <p:sp>
         <p:nvSpPr>
           <p:cNvPr id="42" name="Shape 42"/>
-          <p:cNvSpPr txBox="1"/>
+          <p:cNvSpPr txBox="1">
+            <a:spLocks noGrp="1"/>
+          </p:cNvSpPr>
           <p:nvPr>
-            <p:ph idx="1" type="body"/>
+            <p:ph type="body" idx="1"/>
           </p:nvPr>
         </p:nvSpPr>
         <p:spPr>
@@ -2697,7 +2910,7 @@
           </a:prstGeom>
         </p:spPr>
         <p:txBody>
-          <a:bodyPr anchorCtr="0" anchor="ctr" bIns="91425" lIns="91425" rIns="91425" tIns="91425"/>
+          <a:bodyPr lIns="91425" tIns="91425" rIns="91425" bIns="91425" anchor="ctr" anchorCtr="0"/>
           <a:lstStyle>
             <a:lvl1pPr lvl="0">
               <a:lnSpc>
@@ -2713,15 +2926,19 @@
               <a:defRPr/>
             </a:lvl1pPr>
           </a:lstStyle>
-          <a:p/>
+          <a:p>
+            <a:endParaRPr/>
+          </a:p>
         </p:txBody>
       </p:sp>
       <p:sp>
         <p:nvSpPr>
           <p:cNvPr id="43" name="Shape 43"/>
-          <p:cNvSpPr txBox="1"/>
+          <p:cNvSpPr txBox="1">
+            <a:spLocks noGrp="1"/>
+          </p:cNvSpPr>
           <p:nvPr>
-            <p:ph idx="12" type="sldNum"/>
+            <p:ph type="sldNum" idx="12"/>
           </p:nvPr>
         </p:nvSpPr>
         <p:spPr>
@@ -2734,7 +2951,7 @@
           </a:prstGeom>
         </p:spPr>
         <p:txBody>
-          <a:bodyPr anchorCtr="0" anchor="ctr" bIns="91425" lIns="91425" rIns="91425" tIns="91425">
+          <a:bodyPr lIns="91425" tIns="91425" rIns="91425" bIns="91425" anchor="ctr" anchorCtr="0">
             <a:noAutofit/>
           </a:bodyPr>
           <a:lstStyle/>
@@ -2749,6 +2966,7 @@
               <a:rPr lang="en"/>
               <a:t>‹#›</a:t>
             </a:fld>
+            <a:endParaRPr lang="en"/>
           </a:p>
         </p:txBody>
       </p:sp>
@@ -2761,18 +2979,19 @@
 </file>
 
 <file path=ppt/slideMasters/slideMaster1.xml><?xml version="1.0" encoding="utf-8"?>
-<p:sldMaster xmlns:a="http://schemas.openxmlformats.org/drawingml/2006/main" xmlns:r="http://schemas.openxmlformats.org/officeDocument/2006/relationships" xmlns:mc="http://schemas.openxmlformats.org/markup-compatibility/2006" xmlns:mv="urn:schemas-microsoft-com:mac:vml" xmlns:p="http://schemas.openxmlformats.org/presentationml/2006/main" xmlns:c="http://schemas.openxmlformats.org/drawingml/2006/chart" xmlns:dgm="http://schemas.openxmlformats.org/drawingml/2006/diagram" xmlns:o="urn:schemas-microsoft-com:office:office" xmlns:v="urn:schemas-microsoft-com:vml" xmlns:pvml="urn:schemas-microsoft-com:office:powerpoint" xmlns:com="http://schemas.openxmlformats.org/drawingml/2006/compatibility" xmlns:p14="http://schemas.microsoft.com/office/powerpoint/2010/main">
+<p:sldMaster xmlns:a="http://schemas.openxmlformats.org/drawingml/2006/main" xmlns:r="http://schemas.openxmlformats.org/officeDocument/2006/relationships" xmlns:p="http://schemas.openxmlformats.org/presentationml/2006/main">
   <p:cSld>
     <p:bg>
       <p:bgPr>
         <a:solidFill>
           <a:schemeClr val="lt1"/>
         </a:solidFill>
+        <a:effectLst/>
       </p:bgPr>
     </p:bg>
     <p:spTree>
       <p:nvGrpSpPr>
-        <p:cNvPr id="5" name="Shape 5"/>
+        <p:cNvPr id="1" name="Shape 5"/>
         <p:cNvGrpSpPr/>
         <p:nvPr/>
       </p:nvGrpSpPr>
@@ -2787,7 +3006,9 @@
       <p:sp>
         <p:nvSpPr>
           <p:cNvPr id="6" name="Shape 6"/>
-          <p:cNvSpPr txBox="1"/>
+          <p:cNvSpPr txBox="1">
+            <a:spLocks noGrp="1"/>
+          </p:cNvSpPr>
           <p:nvPr>
             <p:ph type="title"/>
           </p:nvPr>
@@ -2806,7 +3027,7 @@
           </a:ln>
         </p:spPr>
         <p:txBody>
-          <a:bodyPr anchorCtr="0" anchor="t" bIns="91425" lIns="91425" rIns="91425" tIns="91425"/>
+          <a:bodyPr lIns="91425" tIns="91425" rIns="91425" bIns="91425" anchor="t" anchorCtr="0"/>
           <a:lstStyle>
             <a:lvl1pPr lvl="0">
               <a:spcBef>
@@ -2944,15 +3165,19 @@
               </a:defRPr>
             </a:lvl9pPr>
           </a:lstStyle>
-          <a:p/>
+          <a:p>
+            <a:endParaRPr/>
+          </a:p>
         </p:txBody>
       </p:sp>
       <p:sp>
         <p:nvSpPr>
           <p:cNvPr id="7" name="Shape 7"/>
-          <p:cNvSpPr txBox="1"/>
+          <p:cNvSpPr txBox="1">
+            <a:spLocks noGrp="1"/>
+          </p:cNvSpPr>
           <p:nvPr>
-            <p:ph idx="1" type="body"/>
+            <p:ph type="body" idx="1"/>
           </p:nvPr>
         </p:nvSpPr>
         <p:spPr>
@@ -2969,7 +3194,7 @@
           </a:ln>
         </p:spPr>
         <p:txBody>
-          <a:bodyPr anchorCtr="0" anchor="t" bIns="91425" lIns="91425" rIns="91425" tIns="91425"/>
+          <a:bodyPr lIns="91425" tIns="91425" rIns="91425" bIns="91425" anchor="t" anchorCtr="0"/>
           <a:lstStyle>
             <a:lvl1pPr lvl="0">
               <a:lnSpc>
@@ -3144,15 +3369,19 @@
               </a:defRPr>
             </a:lvl9pPr>
           </a:lstStyle>
-          <a:p/>
+          <a:p>
+            <a:endParaRPr/>
+          </a:p>
         </p:txBody>
       </p:sp>
       <p:sp>
         <p:nvSpPr>
           <p:cNvPr id="8" name="Shape 8"/>
-          <p:cNvSpPr txBox="1"/>
+          <p:cNvSpPr txBox="1">
+            <a:spLocks noGrp="1"/>
+          </p:cNvSpPr>
           <p:nvPr>
-            <p:ph idx="12" type="sldNum"/>
+            <p:ph type="sldNum" idx="12"/>
           </p:nvPr>
         </p:nvSpPr>
         <p:spPr>
@@ -3169,7 +3398,7 @@
           </a:ln>
         </p:spPr>
         <p:txBody>
-          <a:bodyPr anchorCtr="0" anchor="ctr" bIns="91425" lIns="91425" rIns="91425" tIns="91425">
+          <a:bodyPr lIns="91425" tIns="91425" rIns="91425" bIns="91425" anchor="ctr" anchorCtr="0">
             <a:noAutofit/>
           </a:bodyPr>
           <a:lstStyle/>
@@ -3188,12 +3417,17 @@
               </a:rPr>
               <a:t>‹#›</a:t>
             </a:fld>
+            <a:endParaRPr lang="en" sz="1000">
+              <a:solidFill>
+                <a:schemeClr val="dk2"/>
+              </a:solidFill>
+            </a:endParaRPr>
           </a:p>
         </p:txBody>
       </p:sp>
     </p:spTree>
   </p:cSld>
-  <p:clrMap accent1="accent1" accent2="accent2" accent3="accent3" accent4="accent4" accent5="accent5" accent6="accent6" bg1="lt1" bg2="dk2" tx1="dk1" tx2="lt2" folHlink="folHlink" hlink="hlink"/>
+  <p:clrMap bg1="lt1" tx1="dk1" bg2="dk2" tx2="lt2" accent1="accent1" accent2="accent2" accent3="accent3" accent4="accent4" accent5="accent5" accent6="accent6" hlink="hlink" folHlink="folHlink"/>
   <p:sldLayoutIdLst>
     <p:sldLayoutId id="2147483648" r:id="rId1"/>
     <p:sldLayoutId id="2147483649" r:id="rId2"/>
@@ -3207,10 +3441,10 @@
     <p:sldLayoutId id="2147483657" r:id="rId10"/>
     <p:sldLayoutId id="2147483658" r:id="rId11"/>
   </p:sldLayoutIdLst>
-  <p:hf dt="0" ftr="0" hdr="0" sldNum="0"/>
+  <p:hf sldNum="0" hdr="0" ftr="0" dt="0"/>
   <p:txStyles>
     <p:titleStyle>
-      <a:defPPr lvl="0" marR="0" rtl="0" algn="l">
+      <a:defPPr marR="0" lvl="0" algn="l" rtl="0">
         <a:lnSpc>
           <a:spcPct val="100000"/>
         </a:lnSpc>
@@ -3221,7 +3455,7 @@
           <a:spcPts val="0"/>
         </a:spcAft>
       </a:defPPr>
-      <a:lvl1pPr lvl="0" marR="0" rtl="0" algn="l">
+      <a:lvl1pPr marR="0" lvl="0" algn="l" rtl="0">
         <a:lnSpc>
           <a:spcPct val="100000"/>
         </a:lnSpc>
@@ -3232,7 +3466,7 @@
           <a:spcPts val="0"/>
         </a:spcAft>
         <a:buNone/>
-        <a:defRPr b="0" i="0" sz="1400" u="none" cap="none" strike="noStrike">
+        <a:defRPr sz="1400" b="0" i="0" u="none" strike="noStrike" cap="none">
           <a:solidFill>
             <a:srgbClr val="000000"/>
           </a:solidFill>
@@ -3244,7 +3478,7 @@
       </a:lvl1pPr>
     </p:titleStyle>
     <p:bodyStyle>
-      <a:defPPr lvl="0" marR="0" rtl="0" algn="l">
+      <a:defPPr marR="0" lvl="0" algn="l" rtl="0">
         <a:lnSpc>
           <a:spcPct val="100000"/>
         </a:lnSpc>
@@ -3255,7 +3489,7 @@
           <a:spcPts val="0"/>
         </a:spcAft>
       </a:defPPr>
-      <a:lvl1pPr lvl="0" marR="0" rtl="0" algn="l">
+      <a:lvl1pPr marR="0" lvl="0" algn="l" rtl="0">
         <a:lnSpc>
           <a:spcPct val="100000"/>
         </a:lnSpc>
@@ -3266,7 +3500,7 @@
           <a:spcPts val="0"/>
         </a:spcAft>
         <a:buNone/>
-        <a:defRPr b="0" i="0" sz="1400" u="none" cap="none" strike="noStrike">
+        <a:defRPr sz="1400" b="0" i="0" u="none" strike="noStrike" cap="none">
           <a:solidFill>
             <a:srgbClr val="000000"/>
           </a:solidFill>
@@ -3276,7 +3510,7 @@
           <a:sym typeface="Arial"/>
         </a:defRPr>
       </a:lvl1pPr>
-      <a:lvl2pPr lvl="1" marR="0" rtl="0" algn="l">
+      <a:lvl2pPr marR="0" lvl="1" algn="l" rtl="0">
         <a:lnSpc>
           <a:spcPct val="100000"/>
         </a:lnSpc>
@@ -3287,7 +3521,7 @@
           <a:spcPts val="0"/>
         </a:spcAft>
         <a:buNone/>
-        <a:defRPr b="0" i="0" sz="1400" u="none" cap="none" strike="noStrike">
+        <a:defRPr sz="1400" b="0" i="0" u="none" strike="noStrike" cap="none">
           <a:solidFill>
             <a:srgbClr val="000000"/>
           </a:solidFill>
@@ -3297,7 +3531,7 @@
           <a:sym typeface="Arial"/>
         </a:defRPr>
       </a:lvl2pPr>
-      <a:lvl3pPr lvl="2" marR="0" rtl="0" algn="l">
+      <a:lvl3pPr marR="0" lvl="2" algn="l" rtl="0">
         <a:lnSpc>
           <a:spcPct val="100000"/>
         </a:lnSpc>
@@ -3308,7 +3542,7 @@
           <a:spcPts val="0"/>
         </a:spcAft>
         <a:buNone/>
-        <a:defRPr b="0" i="0" sz="1400" u="none" cap="none" strike="noStrike">
+        <a:defRPr sz="1400" b="0" i="0" u="none" strike="noStrike" cap="none">
           <a:solidFill>
             <a:srgbClr val="000000"/>
           </a:solidFill>
@@ -3318,7 +3552,7 @@
           <a:sym typeface="Arial"/>
         </a:defRPr>
       </a:lvl3pPr>
-      <a:lvl4pPr lvl="3" marR="0" rtl="0" algn="l">
+      <a:lvl4pPr marR="0" lvl="3" algn="l" rtl="0">
         <a:lnSpc>
           <a:spcPct val="100000"/>
         </a:lnSpc>
@@ -3329,7 +3563,7 @@
           <a:spcPts val="0"/>
         </a:spcAft>
         <a:buNone/>
-        <a:defRPr b="0" i="0" sz="1400" u="none" cap="none" strike="noStrike">
+        <a:defRPr sz="1400" b="0" i="0" u="none" strike="noStrike" cap="none">
           <a:solidFill>
             <a:srgbClr val="000000"/>
           </a:solidFill>
@@ -3339,7 +3573,7 @@
           <a:sym typeface="Arial"/>
         </a:defRPr>
       </a:lvl4pPr>
-      <a:lvl5pPr lvl="4" marR="0" rtl="0" algn="l">
+      <a:lvl5pPr marR="0" lvl="4" algn="l" rtl="0">
         <a:lnSpc>
           <a:spcPct val="100000"/>
         </a:lnSpc>
@@ -3350,7 +3584,7 @@
           <a:spcPts val="0"/>
         </a:spcAft>
         <a:buNone/>
-        <a:defRPr b="0" i="0" sz="1400" u="none" cap="none" strike="noStrike">
+        <a:defRPr sz="1400" b="0" i="0" u="none" strike="noStrike" cap="none">
           <a:solidFill>
             <a:srgbClr val="000000"/>
           </a:solidFill>
@@ -3360,7 +3594,7 @@
           <a:sym typeface="Arial"/>
         </a:defRPr>
       </a:lvl5pPr>
-      <a:lvl6pPr lvl="5" marR="0" rtl="0" algn="l">
+      <a:lvl6pPr marR="0" lvl="5" algn="l" rtl="0">
         <a:lnSpc>
           <a:spcPct val="100000"/>
         </a:lnSpc>
@@ -3371,7 +3605,7 @@
           <a:spcPts val="0"/>
         </a:spcAft>
         <a:buNone/>
-        <a:defRPr b="0" i="0" sz="1400" u="none" cap="none" strike="noStrike">
+        <a:defRPr sz="1400" b="0" i="0" u="none" strike="noStrike" cap="none">
           <a:solidFill>
             <a:srgbClr val="000000"/>
           </a:solidFill>
@@ -3381,7 +3615,7 @@
           <a:sym typeface="Arial"/>
         </a:defRPr>
       </a:lvl6pPr>
-      <a:lvl7pPr lvl="6" marR="0" rtl="0" algn="l">
+      <a:lvl7pPr marR="0" lvl="6" algn="l" rtl="0">
         <a:lnSpc>
           <a:spcPct val="100000"/>
         </a:lnSpc>
@@ -3392,7 +3626,7 @@
           <a:spcPts val="0"/>
         </a:spcAft>
         <a:buNone/>
-        <a:defRPr b="0" i="0" sz="1400" u="none" cap="none" strike="noStrike">
+        <a:defRPr sz="1400" b="0" i="0" u="none" strike="noStrike" cap="none">
           <a:solidFill>
             <a:srgbClr val="000000"/>
           </a:solidFill>
@@ -3402,7 +3636,7 @@
           <a:sym typeface="Arial"/>
         </a:defRPr>
       </a:lvl7pPr>
-      <a:lvl8pPr lvl="7" marR="0" rtl="0" algn="l">
+      <a:lvl8pPr marR="0" lvl="7" algn="l" rtl="0">
         <a:lnSpc>
           <a:spcPct val="100000"/>
         </a:lnSpc>
@@ -3413,7 +3647,7 @@
           <a:spcPts val="0"/>
         </a:spcAft>
         <a:buNone/>
-        <a:defRPr b="0" i="0" sz="1400" u="none" cap="none" strike="noStrike">
+        <a:defRPr sz="1400" b="0" i="0" u="none" strike="noStrike" cap="none">
           <a:solidFill>
             <a:srgbClr val="000000"/>
           </a:solidFill>
@@ -3423,7 +3657,7 @@
           <a:sym typeface="Arial"/>
         </a:defRPr>
       </a:lvl8pPr>
-      <a:lvl9pPr lvl="8" marR="0" rtl="0" algn="l">
+      <a:lvl9pPr marR="0" lvl="8" algn="l" rtl="0">
         <a:lnSpc>
           <a:spcPct val="100000"/>
         </a:lnSpc>
@@ -3434,7 +3668,7 @@
           <a:spcPts val="0"/>
         </a:spcAft>
         <a:buNone/>
-        <a:defRPr b="0" i="0" sz="1400" u="none" cap="none" strike="noStrike">
+        <a:defRPr sz="1400" b="0" i="0" u="none" strike="noStrike" cap="none">
           <a:solidFill>
             <a:srgbClr val="000000"/>
           </a:solidFill>
@@ -3446,7 +3680,7 @@
       </a:lvl9pPr>
     </p:bodyStyle>
     <p:otherStyle>
-      <a:defPPr lvl="0" marR="0" rtl="0" algn="l">
+      <a:defPPr marR="0" lvl="0" algn="l" rtl="0">
         <a:lnSpc>
           <a:spcPct val="100000"/>
         </a:lnSpc>
@@ -3457,7 +3691,7 @@
           <a:spcPts val="0"/>
         </a:spcAft>
       </a:defPPr>
-      <a:lvl1pPr lvl="0" marR="0" rtl="0" algn="l">
+      <a:lvl1pPr marR="0" lvl="0" algn="l" rtl="0">
         <a:lnSpc>
           <a:spcPct val="100000"/>
         </a:lnSpc>
@@ -3468,7 +3702,7 @@
           <a:spcPts val="0"/>
         </a:spcAft>
         <a:buNone/>
-        <a:defRPr b="0" i="0" sz="1400" u="none" cap="none" strike="noStrike">
+        <a:defRPr sz="1400" b="0" i="0" u="none" strike="noStrike" cap="none">
           <a:solidFill>
             <a:srgbClr val="000000"/>
           </a:solidFill>
@@ -3478,7 +3712,7 @@
           <a:sym typeface="Arial"/>
         </a:defRPr>
       </a:lvl1pPr>
-      <a:lvl2pPr lvl="1" marR="0" rtl="0" algn="l">
+      <a:lvl2pPr marR="0" lvl="1" algn="l" rtl="0">
         <a:lnSpc>
           <a:spcPct val="100000"/>
         </a:lnSpc>
@@ -3489,7 +3723,7 @@
           <a:spcPts val="0"/>
         </a:spcAft>
         <a:buNone/>
-        <a:defRPr b="0" i="0" sz="1400" u="none" cap="none" strike="noStrike">
+        <a:defRPr sz="1400" b="0" i="0" u="none" strike="noStrike" cap="none">
           <a:solidFill>
             <a:srgbClr val="000000"/>
           </a:solidFill>
@@ -3499,7 +3733,7 @@
           <a:sym typeface="Arial"/>
         </a:defRPr>
       </a:lvl2pPr>
-      <a:lvl3pPr lvl="2" marR="0" rtl="0" algn="l">
+      <a:lvl3pPr marR="0" lvl="2" algn="l" rtl="0">
         <a:lnSpc>
           <a:spcPct val="100000"/>
         </a:lnSpc>
@@ -3510,7 +3744,7 @@
           <a:spcPts val="0"/>
         </a:spcAft>
         <a:buNone/>
-        <a:defRPr b="0" i="0" sz="1400" u="none" cap="none" strike="noStrike">
+        <a:defRPr sz="1400" b="0" i="0" u="none" strike="noStrike" cap="none">
           <a:solidFill>
             <a:srgbClr val="000000"/>
           </a:solidFill>
@@ -3520,7 +3754,7 @@
           <a:sym typeface="Arial"/>
         </a:defRPr>
       </a:lvl3pPr>
-      <a:lvl4pPr lvl="3" marR="0" rtl="0" algn="l">
+      <a:lvl4pPr marR="0" lvl="3" algn="l" rtl="0">
         <a:lnSpc>
           <a:spcPct val="100000"/>
         </a:lnSpc>
@@ -3531,7 +3765,7 @@
           <a:spcPts val="0"/>
         </a:spcAft>
         <a:buNone/>
-        <a:defRPr b="0" i="0" sz="1400" u="none" cap="none" strike="noStrike">
+        <a:defRPr sz="1400" b="0" i="0" u="none" strike="noStrike" cap="none">
           <a:solidFill>
             <a:srgbClr val="000000"/>
           </a:solidFill>
@@ -3541,7 +3775,7 @@
           <a:sym typeface="Arial"/>
         </a:defRPr>
       </a:lvl4pPr>
-      <a:lvl5pPr lvl="4" marR="0" rtl="0" algn="l">
+      <a:lvl5pPr marR="0" lvl="4" algn="l" rtl="0">
         <a:lnSpc>
           <a:spcPct val="100000"/>
         </a:lnSpc>
@@ -3552,7 +3786,7 @@
           <a:spcPts val="0"/>
         </a:spcAft>
         <a:buNone/>
-        <a:defRPr b="0" i="0" sz="1400" u="none" cap="none" strike="noStrike">
+        <a:defRPr sz="1400" b="0" i="0" u="none" strike="noStrike" cap="none">
           <a:solidFill>
             <a:srgbClr val="000000"/>
           </a:solidFill>
@@ -3562,7 +3796,7 @@
           <a:sym typeface="Arial"/>
         </a:defRPr>
       </a:lvl5pPr>
-      <a:lvl6pPr lvl="5" marR="0" rtl="0" algn="l">
+      <a:lvl6pPr marR="0" lvl="5" algn="l" rtl="0">
         <a:lnSpc>
           <a:spcPct val="100000"/>
         </a:lnSpc>
@@ -3573,7 +3807,7 @@
           <a:spcPts val="0"/>
         </a:spcAft>
         <a:buNone/>
-        <a:defRPr b="0" i="0" sz="1400" u="none" cap="none" strike="noStrike">
+        <a:defRPr sz="1400" b="0" i="0" u="none" strike="noStrike" cap="none">
           <a:solidFill>
             <a:srgbClr val="000000"/>
           </a:solidFill>
@@ -3583,7 +3817,7 @@
           <a:sym typeface="Arial"/>
         </a:defRPr>
       </a:lvl6pPr>
-      <a:lvl7pPr lvl="6" marR="0" rtl="0" algn="l">
+      <a:lvl7pPr marR="0" lvl="6" algn="l" rtl="0">
         <a:lnSpc>
           <a:spcPct val="100000"/>
         </a:lnSpc>
@@ -3594,7 +3828,7 @@
           <a:spcPts val="0"/>
         </a:spcAft>
         <a:buNone/>
-        <a:defRPr b="0" i="0" sz="1400" u="none" cap="none" strike="noStrike">
+        <a:defRPr sz="1400" b="0" i="0" u="none" strike="noStrike" cap="none">
           <a:solidFill>
             <a:srgbClr val="000000"/>
           </a:solidFill>
@@ -3604,7 +3838,7 @@
           <a:sym typeface="Arial"/>
         </a:defRPr>
       </a:lvl7pPr>
-      <a:lvl8pPr lvl="7" marR="0" rtl="0" algn="l">
+      <a:lvl8pPr marR="0" lvl="7" algn="l" rtl="0">
         <a:lnSpc>
           <a:spcPct val="100000"/>
         </a:lnSpc>
@@ -3615,7 +3849,7 @@
           <a:spcPts val="0"/>
         </a:spcAft>
         <a:buNone/>
-        <a:defRPr b="0" i="0" sz="1400" u="none" cap="none" strike="noStrike">
+        <a:defRPr sz="1400" b="0" i="0" u="none" strike="noStrike" cap="none">
           <a:solidFill>
             <a:srgbClr val="000000"/>
           </a:solidFill>
@@ -3625,7 +3859,7 @@
           <a:sym typeface="Arial"/>
         </a:defRPr>
       </a:lvl8pPr>
-      <a:lvl9pPr lvl="8" marR="0" rtl="0" algn="l">
+      <a:lvl9pPr marR="0" lvl="8" algn="l" rtl="0">
         <a:lnSpc>
           <a:spcPct val="100000"/>
         </a:lnSpc>
@@ -3636,7 +3870,7 @@
           <a:spcPts val="0"/>
         </a:spcAft>
         <a:buNone/>
-        <a:defRPr b="0" i="0" sz="1400" u="none" cap="none" strike="noStrike">
+        <a:defRPr sz="1400" b="0" i="0" u="none" strike="noStrike" cap="none">
           <a:solidFill>
             <a:srgbClr val="000000"/>
           </a:solidFill>
@@ -3652,11 +3886,11 @@
 </file>
 
 <file path=ppt/slides/slide1.xml><?xml version="1.0" encoding="utf-8"?>
-<p:sld xmlns:a="http://schemas.openxmlformats.org/drawingml/2006/main" xmlns:r="http://schemas.openxmlformats.org/officeDocument/2006/relationships" xmlns:mc="http://schemas.openxmlformats.org/markup-compatibility/2006" xmlns:mv="urn:schemas-microsoft-com:mac:vml" xmlns:p="http://schemas.openxmlformats.org/presentationml/2006/main" xmlns:c="http://schemas.openxmlformats.org/drawingml/2006/chart" xmlns:dgm="http://schemas.openxmlformats.org/drawingml/2006/diagram" xmlns:o="urn:schemas-microsoft-com:office:office" xmlns:v="urn:schemas-microsoft-com:vml" xmlns:pvml="urn:schemas-microsoft-com:office:powerpoint" xmlns:com="http://schemas.openxmlformats.org/drawingml/2006/compatibility" xmlns:p14="http://schemas.microsoft.com/office/powerpoint/2010/main">
+<p:sld xmlns:a="http://schemas.openxmlformats.org/drawingml/2006/main" xmlns:r="http://schemas.openxmlformats.org/officeDocument/2006/relationships" xmlns:p="http://schemas.openxmlformats.org/presentationml/2006/main">
   <p:cSld>
     <p:spTree>
       <p:nvGrpSpPr>
-        <p:cNvPr id="53" name="Shape 53"/>
+        <p:cNvPr id="1" name="Shape 53"/>
         <p:cNvGrpSpPr/>
         <p:nvPr/>
       </p:nvGrpSpPr>
@@ -3671,14 +3905,16 @@
       <p:sp>
         <p:nvSpPr>
           <p:cNvPr id="54" name="Shape 54"/>
-          <p:cNvSpPr txBox="1"/>
+          <p:cNvSpPr txBox="1">
+            <a:spLocks noGrp="1"/>
+          </p:cNvSpPr>
           <p:nvPr>
             <p:ph type="ctrTitle"/>
           </p:nvPr>
         </p:nvSpPr>
         <p:spPr>
           <a:xfrm>
-            <a:off x="379925" y="146725"/>
+            <a:off x="104621" y="146725"/>
             <a:ext cx="8520600" cy="1003200"/>
           </a:xfrm>
           <a:prstGeom prst="rect">
@@ -3686,50 +3922,41 @@
           </a:prstGeom>
         </p:spPr>
         <p:txBody>
-          <a:bodyPr anchorCtr="0" anchor="b" bIns="91425" lIns="91425" rIns="91425" tIns="91425">
+          <a:bodyPr lIns="91425" tIns="91425" rIns="91425" bIns="91425" anchor="b" anchorCtr="0">
             <a:noAutofit/>
           </a:bodyPr>
           <a:lstStyle/>
           <a:p>
-            <a:pPr lvl="0">
-              <a:spcBef>
-                <a:spcPts val="0"/>
-              </a:spcBef>
-              <a:buNone/>
-            </a:pPr>
             <a:r>
-              <a:rPr lang="en"/>
-              <a:t>Title war status</a:t>
+              <a:rPr lang="en-US" b="1" i="1" dirty="0"/>
+              <a:t>Dr. No</a:t>
             </a:r>
+            <a:endParaRPr lang="en-US" b="1" dirty="0"/>
           </a:p>
         </p:txBody>
       </p:sp>
       <p:pic>
         <p:nvPicPr>
-          <p:cNvPr id="55" name="Shape 55"/>
-          <p:cNvPicPr preferRelativeResize="0"/>
+          <p:cNvPr id="2" name="Picture 1"/>
+          <p:cNvPicPr>
+            <a:picLocks noChangeAspect="1"/>
+          </p:cNvPicPr>
           <p:nvPr/>
         </p:nvPicPr>
         <p:blipFill>
-          <a:blip r:embed="rId3">
-            <a:alphaModFix/>
-          </a:blip>
+          <a:blip r:embed="rId3"/>
           <a:stretch>
             <a:fillRect/>
           </a:stretch>
         </p:blipFill>
         <p:spPr>
           <a:xfrm>
-            <a:off x="2407500" y="1248325"/>
-            <a:ext cx="4045675" cy="3365999"/>
+            <a:off x="3071171" y="1595694"/>
+            <a:ext cx="2705202" cy="2199557"/>
           </a:xfrm>
           <a:prstGeom prst="rect">
             <a:avLst/>
           </a:prstGeom>
-          <a:noFill/>
-          <a:ln>
-            <a:noFill/>
-          </a:ln>
         </p:spPr>
       </p:pic>
     </p:spTree>
@@ -3740,8 +3967,182 @@
 </p:sld>
 </file>
 
+<file path=ppt/slides/slide2.xml><?xml version="1.0" encoding="utf-8"?>
+<p:sld xmlns:a="http://schemas.openxmlformats.org/drawingml/2006/main" xmlns:r="http://schemas.openxmlformats.org/officeDocument/2006/relationships" xmlns:p="http://schemas.openxmlformats.org/presentationml/2006/main">
+  <p:cSld>
+    <p:spTree>
+      <p:nvGrpSpPr>
+        <p:cNvPr id="1" name=""/>
+        <p:cNvGrpSpPr/>
+        <p:nvPr/>
+      </p:nvGrpSpPr>
+      <p:grpSpPr>
+        <a:xfrm>
+          <a:off x="0" y="0"/>
+          <a:ext cx="0" cy="0"/>
+          <a:chOff x="0" y="0"/>
+          <a:chExt cx="0" cy="0"/>
+        </a:xfrm>
+      </p:grpSpPr>
+      <p:sp>
+        <p:nvSpPr>
+          <p:cNvPr id="2" name="Title 1"/>
+          <p:cNvSpPr>
+            <a:spLocks noGrp="1"/>
+          </p:cNvSpPr>
+          <p:nvPr>
+            <p:ph type="title"/>
+          </p:nvPr>
+        </p:nvSpPr>
+        <p:spPr>
+          <a:xfrm>
+            <a:off x="213377" y="381043"/>
+            <a:ext cx="8520600" cy="739834"/>
+          </a:xfrm>
+        </p:spPr>
+        <p:txBody>
+          <a:bodyPr/>
+          <a:lstStyle/>
+          <a:p>
+            <a:r>
+              <a:rPr lang="en-US" b="1" i="1" dirty="0"/>
+              <a:t>From Russia with Love</a:t>
+            </a:r>
+            <a:br>
+              <a:rPr lang="en-US" b="1" dirty="0"/>
+            </a:br>
+            <a:endParaRPr lang="he-IL" dirty="0"/>
+          </a:p>
+        </p:txBody>
+      </p:sp>
+      <p:pic>
+        <p:nvPicPr>
+          <p:cNvPr id="3" name="Picture 2"/>
+          <p:cNvPicPr>
+            <a:picLocks noChangeAspect="1"/>
+          </p:cNvPicPr>
+          <p:nvPr/>
+        </p:nvPicPr>
+        <p:blipFill>
+          <a:blip r:embed="rId2"/>
+          <a:stretch>
+            <a:fillRect/>
+          </a:stretch>
+        </p:blipFill>
+        <p:spPr>
+          <a:xfrm>
+            <a:off x="3233827" y="1489564"/>
+            <a:ext cx="2095256" cy="2999092"/>
+          </a:xfrm>
+          <a:prstGeom prst="rect">
+            <a:avLst/>
+          </a:prstGeom>
+        </p:spPr>
+      </p:pic>
+    </p:spTree>
+    <p:extLst>
+      <p:ext uri="{BB962C8B-B14F-4D97-AF65-F5344CB8AC3E}">
+        <p14:creationId xmlns:p14="http://schemas.microsoft.com/office/powerpoint/2010/main" val="173061594"/>
+      </p:ext>
+    </p:extLst>
+  </p:cSld>
+  <p:clrMapOvr>
+    <a:masterClrMapping/>
+  </p:clrMapOvr>
+</p:sld>
+</file>
+
+<file path=ppt/slides/slide3.xml><?xml version="1.0" encoding="utf-8"?>
+<p:sld xmlns:a="http://schemas.openxmlformats.org/drawingml/2006/main" xmlns:r="http://schemas.openxmlformats.org/officeDocument/2006/relationships" xmlns:p="http://schemas.openxmlformats.org/presentationml/2006/main">
+  <p:cSld>
+    <p:spTree>
+      <p:nvGrpSpPr>
+        <p:cNvPr id="1" name=""/>
+        <p:cNvGrpSpPr/>
+        <p:nvPr/>
+      </p:nvGrpSpPr>
+      <p:grpSpPr>
+        <a:xfrm>
+          <a:off x="0" y="0"/>
+          <a:ext cx="0" cy="0"/>
+          <a:chOff x="0" y="0"/>
+          <a:chExt cx="0" cy="0"/>
+        </a:xfrm>
+      </p:grpSpPr>
+      <p:sp>
+        <p:nvSpPr>
+          <p:cNvPr id="2" name="Title 1"/>
+          <p:cNvSpPr>
+            <a:spLocks noGrp="1"/>
+          </p:cNvSpPr>
+          <p:nvPr>
+            <p:ph type="title"/>
+          </p:nvPr>
+        </p:nvSpPr>
+        <p:spPr>
+          <a:xfrm>
+            <a:off x="252706" y="410540"/>
+            <a:ext cx="8520600" cy="841800"/>
+          </a:xfrm>
+        </p:spPr>
+        <p:txBody>
+          <a:bodyPr/>
+          <a:lstStyle/>
+          <a:p>
+            <a:r>
+              <a:rPr lang="en-US" b="1" i="1" dirty="0" err="1"/>
+              <a:t>Goldfinger</a:t>
+            </a:r>
+            <a:r>
+              <a:rPr lang="en-US" b="1" dirty="0"/>
+              <a:t> </a:t>
+            </a:r>
+            <a:br>
+              <a:rPr lang="en-US" b="1" dirty="0"/>
+            </a:br>
+            <a:endParaRPr lang="he-IL" dirty="0"/>
+          </a:p>
+        </p:txBody>
+      </p:sp>
+      <p:pic>
+        <p:nvPicPr>
+          <p:cNvPr id="3" name="Picture 2"/>
+          <p:cNvPicPr>
+            <a:picLocks noChangeAspect="1"/>
+          </p:cNvPicPr>
+          <p:nvPr/>
+        </p:nvPicPr>
+        <p:blipFill>
+          <a:blip r:embed="rId2"/>
+          <a:stretch>
+            <a:fillRect/>
+          </a:stretch>
+        </p:blipFill>
+        <p:spPr>
+          <a:xfrm>
+            <a:off x="2233134" y="1378459"/>
+            <a:ext cx="4228885" cy="3075553"/>
+          </a:xfrm>
+          <a:prstGeom prst="rect">
+            <a:avLst/>
+          </a:prstGeom>
+        </p:spPr>
+      </p:pic>
+    </p:spTree>
+    <p:extLst>
+      <p:ext uri="{BB962C8B-B14F-4D97-AF65-F5344CB8AC3E}">
+        <p14:creationId xmlns:p14="http://schemas.microsoft.com/office/powerpoint/2010/main" val="1330551709"/>
+      </p:ext>
+    </p:extLst>
+  </p:cSld>
+  <p:clrMapOvr>
+    <a:masterClrMapping/>
+  </p:clrMapOvr>
+</p:sld>
+</file>
+
 <file path=ppt/theme/theme1.xml><?xml version="1.0" encoding="utf-8"?>
-<a:theme xmlns:a="http://schemas.openxmlformats.org/drawingml/2006/main" xmlns:r="http://schemas.openxmlformats.org/officeDocument/2006/relationships" name="simple-light-2">
+<a:theme xmlns:a="http://schemas.openxmlformats.org/drawingml/2006/main" name="simple-light-2">
   <a:themeElements>
     <a:clrScheme name="Simple Light">
       <a:dk1>
@@ -4016,11 +4417,13 @@
       </a:bgFillStyleLst>
     </a:fmtScheme>
   </a:themeElements>
+  <a:objectDefaults/>
+  <a:extraClrSchemeLst/>
 </a:theme>
 </file>
 
 <file path=ppt/theme/theme2.xml><?xml version="1.0" encoding="utf-8"?>
-<a:theme xmlns:a="http://schemas.openxmlformats.org/drawingml/2006/main" xmlns:r="http://schemas.openxmlformats.org/officeDocument/2006/relationships" name="Custom Theme">
+<a:theme xmlns:a="http://schemas.openxmlformats.org/drawingml/2006/main" name="Custom Theme">
   <a:themeElements>
     <a:clrScheme name="Default">
       <a:dk1>
@@ -4295,5 +4698,7 @@
       </a:bgFillStyleLst>
     </a:fmtScheme>
   </a:themeElements>
+  <a:objectDefaults/>
+  <a:extraClrSchemeLst/>
 </a:theme>
 </file>